--- a/doc/Presentatie November.pptx
+++ b/doc/Presentatie November.pptx
@@ -8,13 +8,19 @@
     <p:sldId id="256" r:id="rId2"/>
     <p:sldId id="257" r:id="rId3"/>
     <p:sldId id="258" r:id="rId4"/>
-    <p:sldId id="262" r:id="rId5"/>
-    <p:sldId id="264" r:id="rId6"/>
-    <p:sldId id="259" r:id="rId7"/>
-    <p:sldId id="263" r:id="rId8"/>
-    <p:sldId id="265" r:id="rId9"/>
-    <p:sldId id="260" r:id="rId10"/>
-    <p:sldId id="261" r:id="rId11"/>
+    <p:sldId id="266" r:id="rId5"/>
+    <p:sldId id="267" r:id="rId6"/>
+    <p:sldId id="271" r:id="rId7"/>
+    <p:sldId id="270" r:id="rId8"/>
+    <p:sldId id="268" r:id="rId9"/>
+    <p:sldId id="269" r:id="rId10"/>
+    <p:sldId id="262" r:id="rId11"/>
+    <p:sldId id="264" r:id="rId12"/>
+    <p:sldId id="259" r:id="rId13"/>
+    <p:sldId id="263" r:id="rId14"/>
+    <p:sldId id="265" r:id="rId15"/>
+    <p:sldId id="260" r:id="rId16"/>
+    <p:sldId id="261" r:id="rId17"/>
   </p:sldIdLst>
   <p:sldSz cx="12192000" cy="6858000"/>
   <p:notesSz cx="6858000" cy="9144000"/>
@@ -113,6 +119,11 @@
       </a:defRPr>
     </a:lvl9pPr>
   </p:defaultTextStyle>
+  <p:extLst>
+    <p:ext uri="{EFAFB233-063F-42B5-8137-9DF3F51BA10A}">
+      <p15:sldGuideLst xmlns:p15="http://schemas.microsoft.com/office/powerpoint/2012/main"/>
+    </p:ext>
+  </p:extLst>
 </p:presentation>
 </file>
 
@@ -211,7 +222,7 @@
           <a:effectLst/>
           <a:extLst>
             <a:ext uri="{91240B29-F687-4f45-9708-019B960494DF}">
-              <a14:hiddenLine xmlns:a14="http://schemas.microsoft.com/office/drawing/2010/main" xmlns="" w="9525">
+              <a14:hiddenLine xmlns="" xmlns:a14="http://schemas.microsoft.com/office/drawing/2010/main" w="9525">
                 <a:solidFill>
                   <a:srgbClr val="000000"/>
                 </a:solidFill>
@@ -404,7 +415,7 @@
             <a:fld id="{08B9EBBA-996F-894A-B54A-D6246ED52CEA}" type="datetimeFigureOut">
               <a:rPr lang="en-US" dirty="0"/>
               <a:pPr/>
-              <a:t>11/21/2018</a:t>
+              <a:t>11/22/2018</a:t>
             </a:fld>
             <a:endParaRPr lang="en-US" dirty="0"/>
           </a:p>
@@ -719,7 +730,7 @@
             <a:fld id="{18C79C5D-2A6F-F04D-97DA-BEF2467B64E4}" type="datetimeFigureOut">
               <a:rPr lang="en-US" dirty="0"/>
               <a:pPr/>
-              <a:t>11/21/2018</a:t>
+              <a:t>11/22/2018</a:t>
             </a:fld>
             <a:endParaRPr lang="en-US" dirty="0"/>
           </a:p>
@@ -1204,7 +1215,7 @@
             <a:fld id="{8DFA1846-DA80-1C48-A609-854EA85C59AD}" type="datetimeFigureOut">
               <a:rPr lang="en-US" dirty="0"/>
               <a:pPr/>
-              <a:t>11/21/2018</a:t>
+              <a:t>11/22/2018</a:t>
             </a:fld>
             <a:endParaRPr lang="en-US" dirty="0"/>
           </a:p>
@@ -1570,7 +1581,7 @@
             <a:fld id="{FBF54567-0DE4-3F47-BF90-CB84690072F9}" type="datetimeFigureOut">
               <a:rPr lang="en-US" dirty="0"/>
               <a:pPr/>
-              <a:t>11/21/2018</a:t>
+              <a:t>11/22/2018</a:t>
             </a:fld>
             <a:endParaRPr lang="en-US" dirty="0"/>
           </a:p>
@@ -1721,7 +1732,7 @@
           <a:ln/>
           <a:extLst>
             <a:ext uri="{91240B29-F687-4f45-9708-019B960494DF}">
-              <a14:hiddenLine xmlns:a14="http://schemas.microsoft.com/office/drawing/2010/main" xmlns="" w="9525">
+              <a14:hiddenLine xmlns="" xmlns:a14="http://schemas.microsoft.com/office/drawing/2010/main" w="9525">
                 <a:solidFill>
                   <a:srgbClr val="000000"/>
                 </a:solidFill>
@@ -1840,7 +1851,7 @@
             <a:fld id="{C6C52C72-DE31-F449-A4ED-4C594FD91407}" type="datetimeFigureOut">
               <a:rPr lang="en-US" dirty="0"/>
               <a:pPr/>
-              <a:t>11/21/2018</a:t>
+              <a:t>11/22/2018</a:t>
             </a:fld>
             <a:endParaRPr lang="en-US" dirty="0"/>
           </a:p>
@@ -1993,7 +2004,7 @@
           <a:ln/>
           <a:extLst>
             <a:ext uri="{91240B29-F687-4f45-9708-019B960494DF}">
-              <a14:hiddenLine xmlns:a14="http://schemas.microsoft.com/office/drawing/2010/main" xmlns="" w="9525">
+              <a14:hiddenLine xmlns="" xmlns:a14="http://schemas.microsoft.com/office/drawing/2010/main" w="9525">
                 <a:solidFill>
                   <a:srgbClr val="000000"/>
                 </a:solidFill>
@@ -2122,7 +2133,7 @@
             <a:fld id="{ED62726E-379B-B349-9EED-81ED093FA806}" type="datetimeFigureOut">
               <a:rPr lang="en-US" dirty="0"/>
               <a:pPr/>
-              <a:t>11/21/2018</a:t>
+              <a:t>11/22/2018</a:t>
             </a:fld>
             <a:endParaRPr lang="en-US" dirty="0"/>
           </a:p>
@@ -2273,7 +2284,7 @@
           <a:ln/>
           <a:extLst>
             <a:ext uri="{91240B29-F687-4f45-9708-019B960494DF}">
-              <a14:hiddenLine xmlns:a14="http://schemas.microsoft.com/office/drawing/2010/main" xmlns="" w="9525">
+              <a14:hiddenLine xmlns="" xmlns:a14="http://schemas.microsoft.com/office/drawing/2010/main" w="9525">
                 <a:solidFill>
                   <a:srgbClr val="000000"/>
                 </a:solidFill>
@@ -2402,7 +2413,7 @@
             <a:fld id="{9B3A1323-8D79-1946-B0D7-40001CF92E9D}" type="datetimeFigureOut">
               <a:rPr lang="en-US" dirty="0"/>
               <a:pPr/>
-              <a:t>11/21/2018</a:t>
+              <a:t>11/22/2018</a:t>
             </a:fld>
             <a:endParaRPr lang="en-US" dirty="0"/>
           </a:p>
@@ -2742,7 +2753,7 @@
             <a:fld id="{8DFA1846-DA80-1C48-A609-854EA85C59AD}" type="datetimeFigureOut">
               <a:rPr lang="en-US" dirty="0"/>
               <a:pPr/>
-              <a:t>11/21/2018</a:t>
+              <a:t>11/22/2018</a:t>
             </a:fld>
             <a:endParaRPr lang="en-US" dirty="0"/>
           </a:p>
@@ -2893,7 +2904,7 @@
           <a:ln/>
           <a:extLst>
             <a:ext uri="{91240B29-F687-4f45-9708-019B960494DF}">
-              <a14:hiddenLine xmlns:a14="http://schemas.microsoft.com/office/drawing/2010/main" xmlns="" w="9525">
+              <a14:hiddenLine xmlns="" xmlns:a14="http://schemas.microsoft.com/office/drawing/2010/main" w="9525">
                 <a:solidFill>
                   <a:srgbClr val="000000"/>
                 </a:solidFill>
@@ -3078,7 +3089,7 @@
             <a:fld id="{57302355-E14B-8545-A8F8-0FE83CC9D524}" type="datetimeFigureOut">
               <a:rPr lang="en-US" dirty="0"/>
               <a:pPr/>
-              <a:t>11/21/2018</a:t>
+              <a:t>11/22/2018</a:t>
             </a:fld>
             <a:endParaRPr lang="en-US" dirty="0"/>
           </a:p>
@@ -3229,7 +3240,7 @@
           <a:ln/>
           <a:extLst>
             <a:ext uri="{91240B29-F687-4f45-9708-019B960494DF}">
-              <a14:hiddenLine xmlns:a14="http://schemas.microsoft.com/office/drawing/2010/main" xmlns="" w="9525">
+              <a14:hiddenLine xmlns="" xmlns:a14="http://schemas.microsoft.com/office/drawing/2010/main" w="9525">
                 <a:solidFill>
                   <a:srgbClr val="000000"/>
                 </a:solidFill>
@@ -3552,7 +3563,7 @@
             <a:fld id="{02640F58-564D-2B4F-AE67-E407BA4FCF45}" type="datetimeFigureOut">
               <a:rPr lang="en-US" dirty="0"/>
               <a:pPr/>
-              <a:t>11/21/2018</a:t>
+              <a:t>11/22/2018</a:t>
             </a:fld>
             <a:endParaRPr lang="en-US" dirty="0"/>
           </a:p>
@@ -3703,7 +3714,7 @@
           <a:ln/>
           <a:extLst>
             <a:ext uri="{91240B29-F687-4f45-9708-019B960494DF}">
-              <a14:hiddenLine xmlns:a14="http://schemas.microsoft.com/office/drawing/2010/main" xmlns="" w="9525">
+              <a14:hiddenLine xmlns="" xmlns:a14="http://schemas.microsoft.com/office/drawing/2010/main" w="9525">
                 <a:solidFill>
                   <a:srgbClr val="000000"/>
                 </a:solidFill>
@@ -3770,7 +3781,7 @@
             <a:fld id="{F13A34C8-038E-2045-AF43-DF7DBB8E0E9E}" type="datetimeFigureOut">
               <a:rPr lang="en-US" dirty="0"/>
               <a:pPr/>
-              <a:t>11/21/2018</a:t>
+              <a:t>11/22/2018</a:t>
             </a:fld>
             <a:endParaRPr lang="en-US" dirty="0"/>
           </a:p>
@@ -3862,7 +3873,7 @@
             <a:fld id="{8818C68F-D26B-8F47-958C-23B49CF8A634}" type="datetimeFigureOut">
               <a:rPr lang="en-US" dirty="0"/>
               <a:pPr/>
-              <a:t>11/21/2018</a:t>
+              <a:t>11/22/2018</a:t>
             </a:fld>
             <a:endParaRPr lang="en-US" dirty="0"/>
           </a:p>
@@ -4126,7 +4137,7 @@
           <a:ln/>
           <a:extLst>
             <a:ext uri="{91240B29-F687-4f45-9708-019B960494DF}">
-              <a14:hiddenLine xmlns:a14="http://schemas.microsoft.com/office/drawing/2010/main" xmlns="" w="9525">
+              <a14:hiddenLine xmlns="" xmlns:a14="http://schemas.microsoft.com/office/drawing/2010/main" w="9525">
                 <a:solidFill>
                   <a:srgbClr val="000000"/>
                 </a:solidFill>
@@ -4326,7 +4337,7 @@
             <a:fld id="{D0DF5E60-9974-AC48-9591-99C2BB44B7CF}" type="datetimeFigureOut">
               <a:rPr lang="en-US" dirty="0"/>
               <a:pPr/>
-              <a:t>11/21/2018</a:t>
+              <a:t>11/22/2018</a:t>
             </a:fld>
             <a:endParaRPr lang="en-US" dirty="0"/>
           </a:p>
@@ -4636,7 +4647,7 @@
             <a:fld id="{18C79C5D-2A6F-F04D-97DA-BEF2467B64E4}" type="datetimeFigureOut">
               <a:rPr lang="en-US" dirty="0"/>
               <a:pPr/>
-              <a:t>11/21/2018</a:t>
+              <a:t>11/22/2018</a:t>
             </a:fld>
             <a:endParaRPr lang="en-US" dirty="0"/>
           </a:p>
@@ -4903,7 +4914,7 @@
             <a:fld id="{09B482E8-6E0E-1B4F-B1FD-C69DB9E858D9}" type="datetimeFigureOut">
               <a:rPr lang="en-US" dirty="0"/>
               <a:pPr/>
-              <a:t>11/21/2018</a:t>
+              <a:t>11/22/2018</a:t>
             </a:fld>
             <a:endParaRPr lang="en-US" dirty="0"/>
           </a:p>
@@ -5440,6 +5451,821 @@
           <p:cNvPr id="2" name="Titel 1">
             <a:extLst>
               <a:ext uri="{FF2B5EF4-FFF2-40B4-BE49-F238E27FC236}">
+                <a16:creationId xmlns:a16="http://schemas.microsoft.com/office/drawing/2014/main" id="{889730DE-2854-464E-A94B-0B4722F028C0}"/>
+              </a:ext>
+            </a:extLst>
+          </p:cNvPr>
+          <p:cNvSpPr>
+            <a:spLocks noGrp="1"/>
+          </p:cNvSpPr>
+          <p:nvPr>
+            <p:ph type="title"/>
+          </p:nvPr>
+        </p:nvSpPr>
+        <p:spPr/>
+        <p:txBody>
+          <a:bodyPr/>
+          <a:lstStyle/>
+          <a:p>
+            <a:r>
+              <a:rPr lang="nl-BE" dirty="0" err="1"/>
+              <a:t>Burndown</a:t>
+            </a:r>
+            <a:r>
+              <a:rPr lang="nl-BE" dirty="0"/>
+              <a:t> Chart</a:t>
+            </a:r>
+          </a:p>
+        </p:txBody>
+      </p:sp>
+      <p:sp>
+        <p:nvSpPr>
+          <p:cNvPr id="3" name="Tijdelijke aanduiding voor inhoud 2">
+            <a:extLst>
+              <a:ext uri="{FF2B5EF4-FFF2-40B4-BE49-F238E27FC236}">
+                <a16:creationId xmlns:a16="http://schemas.microsoft.com/office/drawing/2014/main" id="{071E2CEB-4C7E-42A0-986C-725F55EFE9D9}"/>
+              </a:ext>
+            </a:extLst>
+          </p:cNvPr>
+          <p:cNvSpPr>
+            <a:spLocks noGrp="1"/>
+          </p:cNvSpPr>
+          <p:nvPr>
+            <p:ph idx="1"/>
+          </p:nvPr>
+        </p:nvSpPr>
+        <p:spPr/>
+        <p:txBody>
+          <a:bodyPr/>
+          <a:lstStyle/>
+          <a:p>
+            <a:endParaRPr lang="nl-BE" dirty="0"/>
+          </a:p>
+        </p:txBody>
+      </p:sp>
+      <p:pic>
+        <p:nvPicPr>
+          <p:cNvPr id="4" name="Afbeelding 3">
+            <a:extLst>
+              <a:ext uri="{FF2B5EF4-FFF2-40B4-BE49-F238E27FC236}">
+                <a16:creationId xmlns:a16="http://schemas.microsoft.com/office/drawing/2014/main" id="{BEE2D651-74A4-4E67-9388-E786F480E86F}"/>
+              </a:ext>
+            </a:extLst>
+          </p:cNvPr>
+          <p:cNvPicPr>
+            <a:picLocks noChangeAspect="1"/>
+          </p:cNvPicPr>
+          <p:nvPr/>
+        </p:nvPicPr>
+        <p:blipFill>
+          <a:blip r:embed="rId2"/>
+          <a:stretch>
+            <a:fillRect/>
+          </a:stretch>
+        </p:blipFill>
+        <p:spPr>
+          <a:xfrm>
+            <a:off x="0" y="2260907"/>
+            <a:ext cx="12192000" cy="4597093"/>
+          </a:xfrm>
+          <a:prstGeom prst="rect">
+            <a:avLst/>
+          </a:prstGeom>
+        </p:spPr>
+      </p:pic>
+    </p:spTree>
+    <p:extLst>
+      <p:ext uri="{BB962C8B-B14F-4D97-AF65-F5344CB8AC3E}">
+        <p14:creationId xmlns:p14="http://schemas.microsoft.com/office/powerpoint/2010/main" val="1580247769"/>
+      </p:ext>
+    </p:extLst>
+  </p:cSld>
+  <p:clrMapOvr>
+    <a:masterClrMapping/>
+  </p:clrMapOvr>
+</p:sld>
+</file>
+
+<file path=ppt/slides/slide11.xml><?xml version="1.0" encoding="utf-8"?>
+<p:sld xmlns:a="http://schemas.openxmlformats.org/drawingml/2006/main" xmlns:r="http://schemas.openxmlformats.org/officeDocument/2006/relationships" xmlns:p="http://schemas.openxmlformats.org/presentationml/2006/main">
+  <p:cSld>
+    <p:spTree>
+      <p:nvGrpSpPr>
+        <p:cNvPr id="1" name=""/>
+        <p:cNvGrpSpPr/>
+        <p:nvPr/>
+      </p:nvGrpSpPr>
+      <p:grpSpPr>
+        <a:xfrm>
+          <a:off x="0" y="0"/>
+          <a:ext cx="0" cy="0"/>
+          <a:chOff x="0" y="0"/>
+          <a:chExt cx="0" cy="0"/>
+        </a:xfrm>
+      </p:grpSpPr>
+      <p:sp>
+        <p:nvSpPr>
+          <p:cNvPr id="2" name="Titel 1">
+            <a:extLst>
+              <a:ext uri="{FF2B5EF4-FFF2-40B4-BE49-F238E27FC236}">
+                <a16:creationId xmlns:a16="http://schemas.microsoft.com/office/drawing/2014/main" id="{F67A2EFA-959C-4748-AF59-882B5DAC924C}"/>
+              </a:ext>
+            </a:extLst>
+          </p:cNvPr>
+          <p:cNvSpPr>
+            <a:spLocks noGrp="1"/>
+          </p:cNvSpPr>
+          <p:nvPr>
+            <p:ph type="title"/>
+          </p:nvPr>
+        </p:nvSpPr>
+        <p:spPr/>
+        <p:txBody>
+          <a:bodyPr/>
+          <a:lstStyle/>
+          <a:p>
+            <a:r>
+              <a:rPr lang="nl-BE" dirty="0"/>
+              <a:t>Analyse: Algemene Structuur </a:t>
+            </a:r>
+          </a:p>
+        </p:txBody>
+      </p:sp>
+      <p:pic>
+        <p:nvPicPr>
+          <p:cNvPr id="5" name="Tijdelijke aanduiding voor inhoud 4">
+            <a:extLst>
+              <a:ext uri="{FF2B5EF4-FFF2-40B4-BE49-F238E27FC236}">
+                <a16:creationId xmlns:a16="http://schemas.microsoft.com/office/drawing/2014/main" id="{66812946-301F-4575-9433-9A8684794AD3}"/>
+              </a:ext>
+            </a:extLst>
+          </p:cNvPr>
+          <p:cNvPicPr>
+            <a:picLocks noGrp="1" noChangeAspect="1"/>
+          </p:cNvPicPr>
+          <p:nvPr>
+            <p:ph idx="1"/>
+          </p:nvPr>
+        </p:nvPicPr>
+        <p:blipFill>
+          <a:blip r:embed="rId2"/>
+          <a:stretch>
+            <a:fillRect/>
+          </a:stretch>
+        </p:blipFill>
+        <p:spPr>
+          <a:xfrm>
+            <a:off x="810000" y="2773849"/>
+            <a:ext cx="4157169" cy="3636963"/>
+          </a:xfrm>
+        </p:spPr>
+      </p:pic>
+      <p:pic>
+        <p:nvPicPr>
+          <p:cNvPr id="7" name="Afbeelding 6">
+            <a:extLst>
+              <a:ext uri="{FF2B5EF4-FFF2-40B4-BE49-F238E27FC236}">
+                <a16:creationId xmlns:a16="http://schemas.microsoft.com/office/drawing/2014/main" id="{79D6E09F-0830-47B5-82A8-02054F07DA1D}"/>
+              </a:ext>
+            </a:extLst>
+          </p:cNvPr>
+          <p:cNvPicPr>
+            <a:picLocks noChangeAspect="1"/>
+          </p:cNvPicPr>
+          <p:nvPr/>
+        </p:nvPicPr>
+        <p:blipFill>
+          <a:blip r:embed="rId3"/>
+          <a:stretch>
+            <a:fillRect/>
+          </a:stretch>
+        </p:blipFill>
+        <p:spPr>
+          <a:xfrm>
+            <a:off x="7224833" y="2773849"/>
+            <a:ext cx="4157169" cy="3636963"/>
+          </a:xfrm>
+          <a:prstGeom prst="rect">
+            <a:avLst/>
+          </a:prstGeom>
+        </p:spPr>
+      </p:pic>
+      <p:sp>
+        <p:nvSpPr>
+          <p:cNvPr id="8" name="Tekstvak 7">
+            <a:extLst>
+              <a:ext uri="{FF2B5EF4-FFF2-40B4-BE49-F238E27FC236}">
+                <a16:creationId xmlns:a16="http://schemas.microsoft.com/office/drawing/2014/main" id="{B9B650C4-099D-40F6-BA4B-76A6D4B8F9CC}"/>
+              </a:ext>
+            </a:extLst>
+          </p:cNvPr>
+          <p:cNvSpPr txBox="1"/>
+          <p:nvPr/>
+        </p:nvSpPr>
+        <p:spPr>
+          <a:xfrm>
+            <a:off x="809998" y="2404517"/>
+            <a:ext cx="771365" cy="369332"/>
+          </a:xfrm>
+          <a:prstGeom prst="rect">
+            <a:avLst/>
+          </a:prstGeom>
+          <a:noFill/>
+        </p:spPr>
+        <p:txBody>
+          <a:bodyPr wrap="none" rtlCol="0">
+            <a:spAutoFit/>
+          </a:bodyPr>
+          <a:lstStyle/>
+          <a:p>
+            <a:r>
+              <a:rPr lang="nl-BE" dirty="0"/>
+              <a:t>OUD:</a:t>
+            </a:r>
+          </a:p>
+        </p:txBody>
+      </p:sp>
+      <p:sp>
+        <p:nvSpPr>
+          <p:cNvPr id="9" name="Tekstvak 8">
+            <a:extLst>
+              <a:ext uri="{FF2B5EF4-FFF2-40B4-BE49-F238E27FC236}">
+                <a16:creationId xmlns:a16="http://schemas.microsoft.com/office/drawing/2014/main" id="{8F4F13AC-D86E-4AD5-AC84-A9F5341F2C0A}"/>
+              </a:ext>
+            </a:extLst>
+          </p:cNvPr>
+          <p:cNvSpPr txBox="1"/>
+          <p:nvPr/>
+        </p:nvSpPr>
+        <p:spPr>
+          <a:xfrm>
+            <a:off x="7224833" y="2404517"/>
+            <a:ext cx="968535" cy="369332"/>
+          </a:xfrm>
+          <a:prstGeom prst="rect">
+            <a:avLst/>
+          </a:prstGeom>
+          <a:noFill/>
+        </p:spPr>
+        <p:txBody>
+          <a:bodyPr wrap="none" rtlCol="0">
+            <a:spAutoFit/>
+          </a:bodyPr>
+          <a:lstStyle/>
+          <a:p>
+            <a:r>
+              <a:rPr lang="nl-BE" dirty="0"/>
+              <a:t>NIEUW:</a:t>
+            </a:r>
+          </a:p>
+        </p:txBody>
+      </p:sp>
+    </p:spTree>
+    <p:extLst>
+      <p:ext uri="{BB962C8B-B14F-4D97-AF65-F5344CB8AC3E}">
+        <p14:creationId xmlns:p14="http://schemas.microsoft.com/office/powerpoint/2010/main" val="1160707348"/>
+      </p:ext>
+    </p:extLst>
+  </p:cSld>
+  <p:clrMapOvr>
+    <a:masterClrMapping/>
+  </p:clrMapOvr>
+</p:sld>
+</file>
+
+<file path=ppt/slides/slide12.xml><?xml version="1.0" encoding="utf-8"?>
+<p:sld xmlns:a="http://schemas.openxmlformats.org/drawingml/2006/main" xmlns:r="http://schemas.openxmlformats.org/officeDocument/2006/relationships" xmlns:p="http://schemas.openxmlformats.org/presentationml/2006/main">
+  <p:cSld>
+    <p:spTree>
+      <p:nvGrpSpPr>
+        <p:cNvPr id="1" name=""/>
+        <p:cNvGrpSpPr/>
+        <p:nvPr/>
+      </p:nvGrpSpPr>
+      <p:grpSpPr>
+        <a:xfrm>
+          <a:off x="0" y="0"/>
+          <a:ext cx="0" cy="0"/>
+          <a:chOff x="0" y="0"/>
+          <a:chExt cx="0" cy="0"/>
+        </a:xfrm>
+      </p:grpSpPr>
+      <p:sp>
+        <p:nvSpPr>
+          <p:cNvPr id="2" name="Titel 1">
+            <a:extLst>
+              <a:ext uri="{FF2B5EF4-FFF2-40B4-BE49-F238E27FC236}">
+                <a16:creationId xmlns:a16="http://schemas.microsoft.com/office/drawing/2014/main" id="{8DE368FF-4FCE-49B9-A747-9374975579A6}"/>
+              </a:ext>
+            </a:extLst>
+          </p:cNvPr>
+          <p:cNvSpPr>
+            <a:spLocks noGrp="1"/>
+          </p:cNvSpPr>
+          <p:nvPr>
+            <p:ph type="title"/>
+          </p:nvPr>
+        </p:nvSpPr>
+        <p:spPr/>
+        <p:txBody>
+          <a:bodyPr/>
+          <a:lstStyle/>
+          <a:p>
+            <a:r>
+              <a:rPr lang="nl-BE" dirty="0"/>
+              <a:t>Analyse: foto nemen</a:t>
+            </a:r>
+          </a:p>
+        </p:txBody>
+      </p:sp>
+      <p:pic>
+        <p:nvPicPr>
+          <p:cNvPr id="5" name="Tijdelijke aanduiding voor inhoud 4">
+            <a:extLst>
+              <a:ext uri="{FF2B5EF4-FFF2-40B4-BE49-F238E27FC236}">
+                <a16:creationId xmlns:a16="http://schemas.microsoft.com/office/drawing/2014/main" id="{46BACC8E-572D-4BAF-AECB-2D77C1F9B703}"/>
+              </a:ext>
+            </a:extLst>
+          </p:cNvPr>
+          <p:cNvPicPr>
+            <a:picLocks noGrp="1" noChangeAspect="1"/>
+          </p:cNvPicPr>
+          <p:nvPr>
+            <p:ph idx="1"/>
+          </p:nvPr>
+        </p:nvPicPr>
+        <p:blipFill>
+          <a:blip r:embed="rId2"/>
+          <a:stretch>
+            <a:fillRect/>
+          </a:stretch>
+        </p:blipFill>
+        <p:spPr>
+          <a:xfrm>
+            <a:off x="1687186" y="2272834"/>
+            <a:ext cx="8817627" cy="4585166"/>
+          </a:xfrm>
+        </p:spPr>
+      </p:pic>
+    </p:spTree>
+    <p:extLst>
+      <p:ext uri="{BB962C8B-B14F-4D97-AF65-F5344CB8AC3E}">
+        <p14:creationId xmlns:p14="http://schemas.microsoft.com/office/powerpoint/2010/main" val="2249042257"/>
+      </p:ext>
+    </p:extLst>
+  </p:cSld>
+  <p:clrMapOvr>
+    <a:masterClrMapping/>
+  </p:clrMapOvr>
+</p:sld>
+</file>
+
+<file path=ppt/slides/slide13.xml><?xml version="1.0" encoding="utf-8"?>
+<p:sld xmlns:a="http://schemas.openxmlformats.org/drawingml/2006/main" xmlns:r="http://schemas.openxmlformats.org/officeDocument/2006/relationships" xmlns:p="http://schemas.openxmlformats.org/presentationml/2006/main">
+  <p:cSld>
+    <p:spTree>
+      <p:nvGrpSpPr>
+        <p:cNvPr id="1" name=""/>
+        <p:cNvGrpSpPr/>
+        <p:nvPr/>
+      </p:nvGrpSpPr>
+      <p:grpSpPr>
+        <a:xfrm>
+          <a:off x="0" y="0"/>
+          <a:ext cx="0" cy="0"/>
+          <a:chOff x="0" y="0"/>
+          <a:chExt cx="0" cy="0"/>
+        </a:xfrm>
+      </p:grpSpPr>
+      <p:sp>
+        <p:nvSpPr>
+          <p:cNvPr id="2" name="Titel 1">
+            <a:extLst>
+              <a:ext uri="{FF2B5EF4-FFF2-40B4-BE49-F238E27FC236}">
+                <a16:creationId xmlns:a16="http://schemas.microsoft.com/office/drawing/2014/main" id="{C758FDD2-3166-4C4D-8955-9BFFEDB4E814}"/>
+              </a:ext>
+            </a:extLst>
+          </p:cNvPr>
+          <p:cNvSpPr>
+            <a:spLocks noGrp="1"/>
+          </p:cNvSpPr>
+          <p:nvPr>
+            <p:ph type="title"/>
+          </p:nvPr>
+        </p:nvSpPr>
+        <p:spPr/>
+        <p:txBody>
+          <a:bodyPr/>
+          <a:lstStyle/>
+          <a:p>
+            <a:r>
+              <a:rPr lang="nl-BE" dirty="0"/>
+              <a:t>Analyse: </a:t>
+            </a:r>
+            <a:r>
+              <a:rPr lang="nl-BE" dirty="0" err="1"/>
+              <a:t>enabelen</a:t>
+            </a:r>
+            <a:r>
+              <a:rPr lang="nl-BE" dirty="0"/>
+              <a:t> en disabelen</a:t>
+            </a:r>
+          </a:p>
+        </p:txBody>
+      </p:sp>
+      <p:pic>
+        <p:nvPicPr>
+          <p:cNvPr id="5" name="Tijdelijke aanduiding voor inhoud 4">
+            <a:extLst>
+              <a:ext uri="{FF2B5EF4-FFF2-40B4-BE49-F238E27FC236}">
+                <a16:creationId xmlns:a16="http://schemas.microsoft.com/office/drawing/2014/main" id="{D028F4B3-E87E-4555-A661-39D1F5D5E3DF}"/>
+              </a:ext>
+            </a:extLst>
+          </p:cNvPr>
+          <p:cNvPicPr>
+            <a:picLocks noGrp="1" noChangeAspect="1"/>
+          </p:cNvPicPr>
+          <p:nvPr>
+            <p:ph idx="1"/>
+          </p:nvPr>
+        </p:nvPicPr>
+        <p:blipFill>
+          <a:blip r:embed="rId2"/>
+          <a:stretch>
+            <a:fillRect/>
+          </a:stretch>
+        </p:blipFill>
+        <p:spPr>
+          <a:xfrm>
+            <a:off x="0" y="2647729"/>
+            <a:ext cx="12200311" cy="3763083"/>
+          </a:xfrm>
+        </p:spPr>
+      </p:pic>
+    </p:spTree>
+    <p:extLst>
+      <p:ext uri="{BB962C8B-B14F-4D97-AF65-F5344CB8AC3E}">
+        <p14:creationId xmlns:p14="http://schemas.microsoft.com/office/powerpoint/2010/main" val="3304224356"/>
+      </p:ext>
+    </p:extLst>
+  </p:cSld>
+  <p:clrMapOvr>
+    <a:masterClrMapping/>
+  </p:clrMapOvr>
+</p:sld>
+</file>
+
+<file path=ppt/slides/slide14.xml><?xml version="1.0" encoding="utf-8"?>
+<p:sld xmlns:a="http://schemas.openxmlformats.org/drawingml/2006/main" xmlns:r="http://schemas.openxmlformats.org/officeDocument/2006/relationships" xmlns:p="http://schemas.openxmlformats.org/presentationml/2006/main">
+  <p:cSld>
+    <p:spTree>
+      <p:nvGrpSpPr>
+        <p:cNvPr id="1" name=""/>
+        <p:cNvGrpSpPr/>
+        <p:nvPr/>
+      </p:nvGrpSpPr>
+      <p:grpSpPr>
+        <a:xfrm>
+          <a:off x="0" y="0"/>
+          <a:ext cx="0" cy="0"/>
+          <a:chOff x="0" y="0"/>
+          <a:chExt cx="0" cy="0"/>
+        </a:xfrm>
+      </p:grpSpPr>
+      <p:sp>
+        <p:nvSpPr>
+          <p:cNvPr id="2" name="Titel 1">
+            <a:extLst>
+              <a:ext uri="{FF2B5EF4-FFF2-40B4-BE49-F238E27FC236}">
+                <a16:creationId xmlns:a16="http://schemas.microsoft.com/office/drawing/2014/main" id="{3A5405A0-3E6E-4935-AA9B-73FB0991B8B1}"/>
+              </a:ext>
+            </a:extLst>
+          </p:cNvPr>
+          <p:cNvSpPr>
+            <a:spLocks noGrp="1"/>
+          </p:cNvSpPr>
+          <p:nvPr>
+            <p:ph type="title"/>
+          </p:nvPr>
+        </p:nvSpPr>
+        <p:spPr/>
+        <p:txBody>
+          <a:bodyPr/>
+          <a:lstStyle/>
+          <a:p>
+            <a:r>
+              <a:rPr lang="nl-BE" dirty="0"/>
+              <a:t>Analyse: Database</a:t>
+            </a:r>
+          </a:p>
+        </p:txBody>
+      </p:sp>
+      <p:pic>
+        <p:nvPicPr>
+          <p:cNvPr id="9" name="Tijdelijke aanduiding voor inhoud 8">
+            <a:extLst>
+              <a:ext uri="{FF2B5EF4-FFF2-40B4-BE49-F238E27FC236}">
+                <a16:creationId xmlns:a16="http://schemas.microsoft.com/office/drawing/2014/main" id="{4CE112C0-384C-475A-86C1-69904FC9033B}"/>
+              </a:ext>
+            </a:extLst>
+          </p:cNvPr>
+          <p:cNvPicPr>
+            <a:picLocks noGrp="1" noChangeAspect="1"/>
+          </p:cNvPicPr>
+          <p:nvPr>
+            <p:ph idx="1"/>
+          </p:nvPr>
+        </p:nvPicPr>
+        <p:blipFill>
+          <a:blip r:embed="rId2"/>
+          <a:stretch>
+            <a:fillRect/>
+          </a:stretch>
+        </p:blipFill>
+        <p:spPr>
+          <a:xfrm>
+            <a:off x="0" y="2870932"/>
+            <a:ext cx="4977807" cy="2732914"/>
+          </a:xfrm>
+        </p:spPr>
+      </p:pic>
+      <p:pic>
+        <p:nvPicPr>
+          <p:cNvPr id="11" name="Afbeelding 10">
+            <a:extLst>
+              <a:ext uri="{FF2B5EF4-FFF2-40B4-BE49-F238E27FC236}">
+                <a16:creationId xmlns:a16="http://schemas.microsoft.com/office/drawing/2014/main" id="{AF2F7B23-174A-40E3-BF2C-0D1319902EF6}"/>
+              </a:ext>
+            </a:extLst>
+          </p:cNvPr>
+          <p:cNvPicPr>
+            <a:picLocks noChangeAspect="1"/>
+          </p:cNvPicPr>
+          <p:nvPr/>
+        </p:nvPicPr>
+        <p:blipFill>
+          <a:blip r:embed="rId3"/>
+          <a:stretch>
+            <a:fillRect/>
+          </a:stretch>
+        </p:blipFill>
+        <p:spPr>
+          <a:xfrm>
+            <a:off x="4983061" y="2870932"/>
+            <a:ext cx="7208940" cy="3987068"/>
+          </a:xfrm>
+          <a:prstGeom prst="rect">
+            <a:avLst/>
+          </a:prstGeom>
+        </p:spPr>
+      </p:pic>
+      <p:sp>
+        <p:nvSpPr>
+          <p:cNvPr id="12" name="Tekstvak 11">
+            <a:extLst>
+              <a:ext uri="{FF2B5EF4-FFF2-40B4-BE49-F238E27FC236}">
+                <a16:creationId xmlns:a16="http://schemas.microsoft.com/office/drawing/2014/main" id="{B2F41C9C-E585-4FBB-BE73-3C0888C84F05}"/>
+              </a:ext>
+            </a:extLst>
+          </p:cNvPr>
+          <p:cNvSpPr txBox="1"/>
+          <p:nvPr/>
+        </p:nvSpPr>
+        <p:spPr>
+          <a:xfrm>
+            <a:off x="38635" y="2501600"/>
+            <a:ext cx="771365" cy="369332"/>
+          </a:xfrm>
+          <a:prstGeom prst="rect">
+            <a:avLst/>
+          </a:prstGeom>
+          <a:noFill/>
+        </p:spPr>
+        <p:txBody>
+          <a:bodyPr wrap="none" rtlCol="0">
+            <a:spAutoFit/>
+          </a:bodyPr>
+          <a:lstStyle/>
+          <a:p>
+            <a:r>
+              <a:rPr lang="nl-BE" dirty="0"/>
+              <a:t>OUD:</a:t>
+            </a:r>
+          </a:p>
+        </p:txBody>
+      </p:sp>
+      <p:sp>
+        <p:nvSpPr>
+          <p:cNvPr id="13" name="Tekstvak 12">
+            <a:extLst>
+              <a:ext uri="{FF2B5EF4-FFF2-40B4-BE49-F238E27FC236}">
+                <a16:creationId xmlns:a16="http://schemas.microsoft.com/office/drawing/2014/main" id="{7E29E95E-30C8-477F-9D88-7C8DCDE736B5}"/>
+              </a:ext>
+            </a:extLst>
+          </p:cNvPr>
+          <p:cNvSpPr txBox="1"/>
+          <p:nvPr/>
+        </p:nvSpPr>
+        <p:spPr>
+          <a:xfrm>
+            <a:off x="5127464" y="2501600"/>
+            <a:ext cx="968535" cy="369332"/>
+          </a:xfrm>
+          <a:prstGeom prst="rect">
+            <a:avLst/>
+          </a:prstGeom>
+          <a:noFill/>
+        </p:spPr>
+        <p:txBody>
+          <a:bodyPr wrap="none" rtlCol="0">
+            <a:spAutoFit/>
+          </a:bodyPr>
+          <a:lstStyle/>
+          <a:p>
+            <a:r>
+              <a:rPr lang="nl-BE" dirty="0"/>
+              <a:t>NIEUW:</a:t>
+            </a:r>
+          </a:p>
+        </p:txBody>
+      </p:sp>
+    </p:spTree>
+    <p:extLst>
+      <p:ext uri="{BB962C8B-B14F-4D97-AF65-F5344CB8AC3E}">
+        <p14:creationId xmlns:p14="http://schemas.microsoft.com/office/powerpoint/2010/main" val="118631540"/>
+      </p:ext>
+    </p:extLst>
+  </p:cSld>
+  <p:clrMapOvr>
+    <a:masterClrMapping/>
+  </p:clrMapOvr>
+</p:sld>
+</file>
+
+<file path=ppt/slides/slide15.xml><?xml version="1.0" encoding="utf-8"?>
+<p:sld xmlns:a="http://schemas.openxmlformats.org/drawingml/2006/main" xmlns:r="http://schemas.openxmlformats.org/officeDocument/2006/relationships" xmlns:p="http://schemas.openxmlformats.org/presentationml/2006/main">
+  <p:cSld>
+    <p:spTree>
+      <p:nvGrpSpPr>
+        <p:cNvPr id="1" name=""/>
+        <p:cNvGrpSpPr/>
+        <p:nvPr/>
+      </p:nvGrpSpPr>
+      <p:grpSpPr>
+        <a:xfrm>
+          <a:off x="0" y="0"/>
+          <a:ext cx="0" cy="0"/>
+          <a:chOff x="0" y="0"/>
+          <a:chExt cx="0" cy="0"/>
+        </a:xfrm>
+      </p:grpSpPr>
+      <p:sp>
+        <p:nvSpPr>
+          <p:cNvPr id="2" name="Titel 1">
+            <a:extLst>
+              <a:ext uri="{FF2B5EF4-FFF2-40B4-BE49-F238E27FC236}">
+                <a16:creationId xmlns:a16="http://schemas.microsoft.com/office/drawing/2014/main" id="{B85FE014-3863-4FCF-BE18-916CB73C906A}"/>
+              </a:ext>
+            </a:extLst>
+          </p:cNvPr>
+          <p:cNvSpPr>
+            <a:spLocks noGrp="1"/>
+          </p:cNvSpPr>
+          <p:nvPr>
+            <p:ph type="title"/>
+          </p:nvPr>
+        </p:nvSpPr>
+        <p:spPr/>
+        <p:txBody>
+          <a:bodyPr/>
+          <a:lstStyle/>
+          <a:p>
+            <a:r>
+              <a:rPr lang="nl-BE" dirty="0"/>
+              <a:t>Problemen</a:t>
+            </a:r>
+          </a:p>
+        </p:txBody>
+      </p:sp>
+      <p:sp>
+        <p:nvSpPr>
+          <p:cNvPr id="3" name="Tijdelijke aanduiding voor inhoud 2">
+            <a:extLst>
+              <a:ext uri="{FF2B5EF4-FFF2-40B4-BE49-F238E27FC236}">
+                <a16:creationId xmlns:a16="http://schemas.microsoft.com/office/drawing/2014/main" id="{7D3F94B8-CE6A-4B10-BCC8-00A95AA9568A}"/>
+              </a:ext>
+            </a:extLst>
+          </p:cNvPr>
+          <p:cNvSpPr>
+            <a:spLocks noGrp="1"/>
+          </p:cNvSpPr>
+          <p:nvPr>
+            <p:ph idx="1"/>
+          </p:nvPr>
+        </p:nvSpPr>
+        <p:spPr/>
+        <p:txBody>
+          <a:bodyPr/>
+          <a:lstStyle/>
+          <a:p>
+            <a:r>
+              <a:rPr lang="nl-BE" dirty="0"/>
+              <a:t>Backend = python (nieuw)</a:t>
+            </a:r>
+          </a:p>
+          <a:p>
+            <a:pPr lvl="1"/>
+            <a:r>
+              <a:rPr lang="nl-BE" dirty="0"/>
+              <a:t>Zoeken naar </a:t>
+            </a:r>
+            <a:r>
+              <a:rPr lang="nl-BE" dirty="0" err="1"/>
+              <a:t>libaries</a:t>
+            </a:r>
+            <a:endParaRPr lang="nl-BE" dirty="0"/>
+          </a:p>
+          <a:p>
+            <a:pPr lvl="1"/>
+            <a:r>
+              <a:rPr lang="nl-BE" dirty="0"/>
+              <a:t>Probleem met 2 tabellen te </a:t>
+            </a:r>
+            <a:r>
+              <a:rPr lang="nl-BE" dirty="0" err="1"/>
+              <a:t>joinen</a:t>
+            </a:r>
+            <a:r>
+              <a:rPr lang="nl-BE" dirty="0"/>
+              <a:t> in de API</a:t>
+            </a:r>
+          </a:p>
+          <a:p>
+            <a:r>
+              <a:rPr lang="nl-BE" dirty="0" err="1"/>
+              <a:t>React</a:t>
+            </a:r>
+            <a:r>
+              <a:rPr lang="nl-BE" dirty="0"/>
+              <a:t> Native leren nam teveel tijd in beslag </a:t>
+            </a:r>
+            <a:r>
+              <a:rPr lang="nl-BE" dirty="0">
+                <a:sym typeface="Wingdings" panose="05000000000000000000" pitchFamily="2" charset="2"/>
+              </a:rPr>
+              <a:t> Native Android app (</a:t>
+            </a:r>
+            <a:r>
+              <a:rPr lang="nl-BE" dirty="0" err="1">
+                <a:sym typeface="Wingdings" panose="05000000000000000000" pitchFamily="2" charset="2"/>
+              </a:rPr>
+              <a:t>kotlin</a:t>
+            </a:r>
+            <a:r>
+              <a:rPr lang="nl-BE" dirty="0">
+                <a:sym typeface="Wingdings" panose="05000000000000000000" pitchFamily="2" charset="2"/>
+              </a:rPr>
+              <a:t>)</a:t>
+            </a:r>
+            <a:endParaRPr lang="nl-BE" dirty="0"/>
+          </a:p>
+        </p:txBody>
+      </p:sp>
+    </p:spTree>
+    <p:extLst>
+      <p:ext uri="{BB962C8B-B14F-4D97-AF65-F5344CB8AC3E}">
+        <p14:creationId xmlns:p14="http://schemas.microsoft.com/office/powerpoint/2010/main" val="4270976279"/>
+      </p:ext>
+    </p:extLst>
+  </p:cSld>
+  <p:clrMapOvr>
+    <a:masterClrMapping/>
+  </p:clrMapOvr>
+</p:sld>
+</file>
+
+<file path=ppt/slides/slide16.xml><?xml version="1.0" encoding="utf-8"?>
+<p:sld xmlns:a="http://schemas.openxmlformats.org/drawingml/2006/main" xmlns:r="http://schemas.openxmlformats.org/officeDocument/2006/relationships" xmlns:p="http://schemas.openxmlformats.org/presentationml/2006/main">
+  <p:cSld>
+    <p:spTree>
+      <p:nvGrpSpPr>
+        <p:cNvPr id="1" name=""/>
+        <p:cNvGrpSpPr/>
+        <p:nvPr/>
+      </p:nvGrpSpPr>
+      <p:grpSpPr>
+        <a:xfrm>
+          <a:off x="0" y="0"/>
+          <a:ext cx="0" cy="0"/>
+          <a:chOff x="0" y="0"/>
+          <a:chExt cx="0" cy="0"/>
+        </a:xfrm>
+      </p:grpSpPr>
+      <p:sp>
+        <p:nvSpPr>
+          <p:cNvPr id="2" name="Titel 1">
+            <a:extLst>
+              <a:ext uri="{FF2B5EF4-FFF2-40B4-BE49-F238E27FC236}">
                 <a16:creationId xmlns:a16="http://schemas.microsoft.com/office/drawing/2014/main" id="{C7D04D60-4C9D-4CB9-AF38-2312E5879ACA}"/>
               </a:ext>
             </a:extLst>
@@ -5767,7 +6593,7 @@
           <p:cNvPr id="2" name="Titel 1">
             <a:extLst>
               <a:ext uri="{FF2B5EF4-FFF2-40B4-BE49-F238E27FC236}">
-                <a16:creationId xmlns:a16="http://schemas.microsoft.com/office/drawing/2014/main" id="{889730DE-2854-464E-A94B-0B4722F028C0}"/>
+                <a16:creationId xmlns:a16="http://schemas.microsoft.com/office/drawing/2014/main" id="{D22A20D4-DF67-4BE7-AA79-F24FE5D0C2CF}"/>
               </a:ext>
             </a:extLst>
           </p:cNvPr>
@@ -5784,12 +6610,8 @@
           <a:lstStyle/>
           <a:p>
             <a:r>
-              <a:rPr lang="nl-BE" dirty="0" err="1"/>
-              <a:t>Burndown</a:t>
-            </a:r>
-            <a:r>
               <a:rPr lang="nl-BE" dirty="0"/>
-              <a:t> Chart</a:t>
+              <a:t>Joeri</a:t>
             </a:r>
           </a:p>
         </p:txBody>
@@ -5799,7 +6621,7 @@
           <p:cNvPr id="3" name="Tijdelijke aanduiding voor inhoud 2">
             <a:extLst>
               <a:ext uri="{FF2B5EF4-FFF2-40B4-BE49-F238E27FC236}">
-                <a16:creationId xmlns:a16="http://schemas.microsoft.com/office/drawing/2014/main" id="{071E2CEB-4C7E-42A0-986C-725F55EFE9D9}"/>
+                <a16:creationId xmlns:a16="http://schemas.microsoft.com/office/drawing/2014/main" id="{E9DC7392-3519-44ED-BA58-C3341ACC5567}"/>
               </a:ext>
             </a:extLst>
           </p:cNvPr>
@@ -5815,44 +6637,14 @@
           <a:bodyPr/>
           <a:lstStyle/>
           <a:p>
-            <a:endParaRPr lang="nl-BE" dirty="0"/>
-          </a:p>
-        </p:txBody>
-      </p:sp>
-      <p:pic>
-        <p:nvPicPr>
-          <p:cNvPr id="4" name="Afbeelding 3">
-            <a:extLst>
-              <a:ext uri="{FF2B5EF4-FFF2-40B4-BE49-F238E27FC236}">
-                <a16:creationId xmlns:a16="http://schemas.microsoft.com/office/drawing/2014/main" id="{BEE2D651-74A4-4E67-9388-E786F480E86F}"/>
-              </a:ext>
-            </a:extLst>
-          </p:cNvPr>
-          <p:cNvPicPr>
-            <a:picLocks noChangeAspect="1"/>
-          </p:cNvPicPr>
-          <p:nvPr/>
-        </p:nvPicPr>
-        <p:blipFill>
-          <a:blip r:embed="rId2"/>
-          <a:stretch>
-            <a:fillRect/>
-          </a:stretch>
-        </p:blipFill>
-        <p:spPr>
-          <a:xfrm>
-            <a:off x="0" y="2260907"/>
-            <a:ext cx="12192000" cy="4597093"/>
-          </a:xfrm>
-          <a:prstGeom prst="rect">
-            <a:avLst/>
-          </a:prstGeom>
-        </p:spPr>
-      </p:pic>
+            <a:endParaRPr lang="nl-BE"/>
+          </a:p>
+        </p:txBody>
+      </p:sp>
     </p:spTree>
     <p:extLst>
       <p:ext uri="{BB962C8B-B14F-4D97-AF65-F5344CB8AC3E}">
-        <p14:creationId xmlns:p14="http://schemas.microsoft.com/office/powerpoint/2010/main" val="1580247769"/>
+        <p14:creationId xmlns:p14="http://schemas.microsoft.com/office/powerpoint/2010/main" val="2633258141"/>
       </p:ext>
     </p:extLst>
   </p:cSld>
@@ -5884,7 +6676,7 @@
           <p:cNvPr id="2" name="Titel 1">
             <a:extLst>
               <a:ext uri="{FF2B5EF4-FFF2-40B4-BE49-F238E27FC236}">
-                <a16:creationId xmlns:a16="http://schemas.microsoft.com/office/drawing/2014/main" id="{F67A2EFA-959C-4748-AF59-882B5DAC924C}"/>
+                <a16:creationId xmlns:a16="http://schemas.microsoft.com/office/drawing/2014/main" id="{4E1313B1-761A-4126-8529-5647C126A75B}"/>
               </a:ext>
             </a:extLst>
           </p:cNvPr>
@@ -5902,26 +6694,49 @@
           <a:p>
             <a:r>
               <a:rPr lang="nl-BE" dirty="0"/>
-              <a:t>Analyse: Algemene Structuur </a:t>
-            </a:r>
+              <a:t>Viktor</a:t>
+            </a:r>
+          </a:p>
+        </p:txBody>
+      </p:sp>
+      <p:sp>
+        <p:nvSpPr>
+          <p:cNvPr id="3" name="Tijdelijke aanduiding voor inhoud 2">
+            <a:extLst>
+              <a:ext uri="{FF2B5EF4-FFF2-40B4-BE49-F238E27FC236}">
+                <a16:creationId xmlns:a16="http://schemas.microsoft.com/office/drawing/2014/main" id="{13A81CBE-A18B-43D0-93E6-F64AD5C68343}"/>
+              </a:ext>
+            </a:extLst>
+          </p:cNvPr>
+          <p:cNvSpPr>
+            <a:spLocks noGrp="1"/>
+          </p:cNvSpPr>
+          <p:nvPr>
+            <p:ph idx="1"/>
+          </p:nvPr>
+        </p:nvSpPr>
+        <p:spPr/>
+        <p:txBody>
+          <a:bodyPr/>
+          <a:lstStyle/>
+          <a:p>
+            <a:endParaRPr lang="nl-BE" dirty="0"/>
           </a:p>
         </p:txBody>
       </p:sp>
       <p:pic>
         <p:nvPicPr>
-          <p:cNvPr id="5" name="Tijdelijke aanduiding voor inhoud 4">
+          <p:cNvPr id="7" name="Afbeelding 6">
             <a:extLst>
               <a:ext uri="{FF2B5EF4-FFF2-40B4-BE49-F238E27FC236}">
-                <a16:creationId xmlns:a16="http://schemas.microsoft.com/office/drawing/2014/main" id="{66812946-301F-4575-9433-9A8684794AD3}"/>
+                <a16:creationId xmlns:a16="http://schemas.microsoft.com/office/drawing/2014/main" id="{676FA2E7-2DDC-4511-98BC-4B8A71903FD7}"/>
               </a:ext>
             </a:extLst>
           </p:cNvPr>
           <p:cNvPicPr>
-            <a:picLocks noGrp="1" noChangeAspect="1"/>
+            <a:picLocks noChangeAspect="1"/>
           </p:cNvPicPr>
-          <p:nvPr>
-            <p:ph idx="1"/>
-          </p:nvPr>
+          <p:nvPr/>
         </p:nvPicPr>
         <p:blipFill>
           <a:blip r:embed="rId2"/>
@@ -5931,115 +6746,18 @@
         </p:blipFill>
         <p:spPr>
           <a:xfrm>
-            <a:off x="810000" y="2773849"/>
-            <a:ext cx="4157169" cy="3636963"/>
-          </a:xfrm>
-        </p:spPr>
-      </p:pic>
-      <p:pic>
-        <p:nvPicPr>
-          <p:cNvPr id="7" name="Afbeelding 6">
-            <a:extLst>
-              <a:ext uri="{FF2B5EF4-FFF2-40B4-BE49-F238E27FC236}">
-                <a16:creationId xmlns:a16="http://schemas.microsoft.com/office/drawing/2014/main" id="{79D6E09F-0830-47B5-82A8-02054F07DA1D}"/>
-              </a:ext>
-            </a:extLst>
-          </p:cNvPr>
-          <p:cNvPicPr>
-            <a:picLocks noChangeAspect="1"/>
-          </p:cNvPicPr>
-          <p:nvPr/>
-        </p:nvPicPr>
-        <p:blipFill>
-          <a:blip r:embed="rId3"/>
-          <a:stretch>
-            <a:fillRect/>
-          </a:stretch>
-        </p:blipFill>
-        <p:spPr>
-          <a:xfrm>
-            <a:off x="7224833" y="2773849"/>
-            <a:ext cx="4157169" cy="3636963"/>
+            <a:off x="-1" y="2273969"/>
+            <a:ext cx="12192000" cy="4389478"/>
           </a:xfrm>
           <a:prstGeom prst="rect">
             <a:avLst/>
           </a:prstGeom>
         </p:spPr>
       </p:pic>
-      <p:sp>
-        <p:nvSpPr>
-          <p:cNvPr id="8" name="Tekstvak 7">
-            <a:extLst>
-              <a:ext uri="{FF2B5EF4-FFF2-40B4-BE49-F238E27FC236}">
-                <a16:creationId xmlns:a16="http://schemas.microsoft.com/office/drawing/2014/main" id="{B9B650C4-099D-40F6-BA4B-76A6D4B8F9CC}"/>
-              </a:ext>
-            </a:extLst>
-          </p:cNvPr>
-          <p:cNvSpPr txBox="1"/>
-          <p:nvPr/>
-        </p:nvSpPr>
-        <p:spPr>
-          <a:xfrm>
-            <a:off x="809998" y="2404517"/>
-            <a:ext cx="771365" cy="369332"/>
-          </a:xfrm>
-          <a:prstGeom prst="rect">
-            <a:avLst/>
-          </a:prstGeom>
-          <a:noFill/>
-        </p:spPr>
-        <p:txBody>
-          <a:bodyPr wrap="none" rtlCol="0">
-            <a:spAutoFit/>
-          </a:bodyPr>
-          <a:lstStyle/>
-          <a:p>
-            <a:r>
-              <a:rPr lang="nl-BE" dirty="0"/>
-              <a:t>OUD:</a:t>
-            </a:r>
-          </a:p>
-        </p:txBody>
-      </p:sp>
-      <p:sp>
-        <p:nvSpPr>
-          <p:cNvPr id="9" name="Tekstvak 8">
-            <a:extLst>
-              <a:ext uri="{FF2B5EF4-FFF2-40B4-BE49-F238E27FC236}">
-                <a16:creationId xmlns:a16="http://schemas.microsoft.com/office/drawing/2014/main" id="{8F4F13AC-D86E-4AD5-AC84-A9F5341F2C0A}"/>
-              </a:ext>
-            </a:extLst>
-          </p:cNvPr>
-          <p:cNvSpPr txBox="1"/>
-          <p:nvPr/>
-        </p:nvSpPr>
-        <p:spPr>
-          <a:xfrm>
-            <a:off x="7224833" y="2404517"/>
-            <a:ext cx="968535" cy="369332"/>
-          </a:xfrm>
-          <a:prstGeom prst="rect">
-            <a:avLst/>
-          </a:prstGeom>
-          <a:noFill/>
-        </p:spPr>
-        <p:txBody>
-          <a:bodyPr wrap="none" rtlCol="0">
-            <a:spAutoFit/>
-          </a:bodyPr>
-          <a:lstStyle/>
-          <a:p>
-            <a:r>
-              <a:rPr lang="nl-BE" dirty="0"/>
-              <a:t>NIEUW:</a:t>
-            </a:r>
-          </a:p>
-        </p:txBody>
-      </p:sp>
     </p:spTree>
     <p:extLst>
       <p:ext uri="{BB962C8B-B14F-4D97-AF65-F5344CB8AC3E}">
-        <p14:creationId xmlns:p14="http://schemas.microsoft.com/office/powerpoint/2010/main" val="1160707348"/>
+        <p14:creationId xmlns:p14="http://schemas.microsoft.com/office/powerpoint/2010/main" val="4142979244"/>
       </p:ext>
     </p:extLst>
   </p:cSld>
@@ -6071,7 +6789,7 @@
           <p:cNvPr id="2" name="Titel 1">
             <a:extLst>
               <a:ext uri="{FF2B5EF4-FFF2-40B4-BE49-F238E27FC236}">
-                <a16:creationId xmlns:a16="http://schemas.microsoft.com/office/drawing/2014/main" id="{8DE368FF-4FCE-49B9-A747-9374975579A6}"/>
+                <a16:creationId xmlns:a16="http://schemas.microsoft.com/office/drawing/2014/main" id="{7B37130C-1E4B-4274-B794-4DE35D8BCC09}"/>
               </a:ext>
             </a:extLst>
           </p:cNvPr>
@@ -6089,44 +6807,99 @@
           <a:p>
             <a:r>
               <a:rPr lang="nl-BE" dirty="0"/>
-              <a:t>Analyse: foto nemen</a:t>
-            </a:r>
+              <a:t>Viktor</a:t>
+            </a:r>
+          </a:p>
+        </p:txBody>
+      </p:sp>
+      <p:sp>
+        <p:nvSpPr>
+          <p:cNvPr id="3" name="Tijdelijke aanduiding voor inhoud 2">
+            <a:extLst>
+              <a:ext uri="{FF2B5EF4-FFF2-40B4-BE49-F238E27FC236}">
+                <a16:creationId xmlns:a16="http://schemas.microsoft.com/office/drawing/2014/main" id="{DD15AB86-DA12-4AEC-9433-FCE6064A0461}"/>
+              </a:ext>
+            </a:extLst>
+          </p:cNvPr>
+          <p:cNvSpPr>
+            <a:spLocks noGrp="1"/>
+          </p:cNvSpPr>
+          <p:nvPr>
+            <p:ph idx="1"/>
+          </p:nvPr>
+        </p:nvSpPr>
+        <p:spPr/>
+        <p:txBody>
+          <a:bodyPr/>
+          <a:lstStyle/>
+          <a:p>
+            <a:endParaRPr lang="nl-BE"/>
           </a:p>
         </p:txBody>
       </p:sp>
       <p:pic>
         <p:nvPicPr>
-          <p:cNvPr id="5" name="Tijdelijke aanduiding voor inhoud 4">
+          <p:cNvPr id="5" name="Afbeelding 4">
             <a:extLst>
               <a:ext uri="{FF2B5EF4-FFF2-40B4-BE49-F238E27FC236}">
-                <a16:creationId xmlns:a16="http://schemas.microsoft.com/office/drawing/2014/main" id="{46BACC8E-572D-4BAF-AECB-2D77C1F9B703}"/>
+                <a16:creationId xmlns:a16="http://schemas.microsoft.com/office/drawing/2014/main" id="{0C4504D9-6767-499A-ADAC-AE1220C52B5D}"/>
               </a:ext>
             </a:extLst>
           </p:cNvPr>
           <p:cNvPicPr>
-            <a:picLocks noGrp="1" noChangeAspect="1"/>
+            <a:picLocks noChangeAspect="1"/>
           </p:cNvPicPr>
-          <p:nvPr>
-            <p:ph idx="1"/>
-          </p:nvPr>
+          <p:nvPr/>
+        </p:nvPicPr>
+        <p:blipFill rotWithShape="1">
+          <a:blip r:embed="rId2"/>
+          <a:srcRect l="15899" t="7287" r="8064" b="17628"/>
+          <a:stretch/>
+        </p:blipFill>
+        <p:spPr>
+          <a:xfrm>
+            <a:off x="696322" y="2566801"/>
+            <a:ext cx="3210128" cy="2947481"/>
+          </a:xfrm>
+          <a:prstGeom prst="rect">
+            <a:avLst/>
+          </a:prstGeom>
+        </p:spPr>
+      </p:pic>
+      <p:pic>
+        <p:nvPicPr>
+          <p:cNvPr id="6" name="Afbeelding 5">
+            <a:extLst>
+              <a:ext uri="{FF2B5EF4-FFF2-40B4-BE49-F238E27FC236}">
+                <a16:creationId xmlns:a16="http://schemas.microsoft.com/office/drawing/2014/main" id="{2DCA11F7-BD27-4E05-978B-347E9EBE99B0}"/>
+              </a:ext>
+            </a:extLst>
+          </p:cNvPr>
+          <p:cNvPicPr>
+            <a:picLocks noChangeAspect="1"/>
+          </p:cNvPicPr>
+          <p:nvPr/>
         </p:nvPicPr>
         <p:blipFill>
-          <a:blip r:embed="rId2"/>
+          <a:blip r:embed="rId3"/>
           <a:stretch>
             <a:fillRect/>
           </a:stretch>
         </p:blipFill>
         <p:spPr>
           <a:xfrm>
-            <a:off x="1687186" y="2272834"/>
-            <a:ext cx="8817627" cy="4585166"/>
+            <a:off x="6437104" y="2091854"/>
+            <a:ext cx="4944894" cy="4318958"/>
           </a:xfrm>
+          <a:prstGeom prst="rect">
+            <a:avLst/>
+          </a:prstGeom>
         </p:spPr>
       </p:pic>
     </p:spTree>
     <p:extLst>
       <p:ext uri="{BB962C8B-B14F-4D97-AF65-F5344CB8AC3E}">
-        <p14:creationId xmlns:p14="http://schemas.microsoft.com/office/powerpoint/2010/main" val="2249042257"/>
+        <p14:creationId xmlns:p14="http://schemas.microsoft.com/office/powerpoint/2010/main" val="1650092703"/>
       </p:ext>
     </p:extLst>
   </p:cSld>
@@ -6158,7 +6931,7 @@
           <p:cNvPr id="2" name="Titel 1">
             <a:extLst>
               <a:ext uri="{FF2B5EF4-FFF2-40B4-BE49-F238E27FC236}">
-                <a16:creationId xmlns:a16="http://schemas.microsoft.com/office/drawing/2014/main" id="{C758FDD2-3166-4C4D-8955-9BFFEDB4E814}"/>
+                <a16:creationId xmlns:a16="http://schemas.microsoft.com/office/drawing/2014/main" id="{820DF8B8-0222-4A88-A7EE-8A2176522332}"/>
               </a:ext>
             </a:extLst>
           </p:cNvPr>
@@ -6174,54 +6947,39 @@
           <a:bodyPr/>
           <a:lstStyle/>
           <a:p>
-            <a:r>
-              <a:rPr lang="nl-BE" dirty="0"/>
-              <a:t>Analyse: </a:t>
-            </a:r>
-            <a:r>
-              <a:rPr lang="nl-BE" dirty="0" err="1"/>
-              <a:t>anabelen</a:t>
-            </a:r>
-            <a:r>
-              <a:rPr lang="nl-BE" dirty="0"/>
-              <a:t> en disabelen</a:t>
-            </a:r>
-          </a:p>
-        </p:txBody>
-      </p:sp>
-      <p:pic>
-        <p:nvPicPr>
-          <p:cNvPr id="5" name="Tijdelijke aanduiding voor inhoud 4">
+            <a:endParaRPr lang="nl-BE"/>
+          </a:p>
+        </p:txBody>
+      </p:sp>
+      <p:sp>
+        <p:nvSpPr>
+          <p:cNvPr id="3" name="Tijdelijke aanduiding voor inhoud 2">
             <a:extLst>
               <a:ext uri="{FF2B5EF4-FFF2-40B4-BE49-F238E27FC236}">
-                <a16:creationId xmlns:a16="http://schemas.microsoft.com/office/drawing/2014/main" id="{D028F4B3-E87E-4555-A661-39D1F5D5E3DF}"/>
+                <a16:creationId xmlns:a16="http://schemas.microsoft.com/office/drawing/2014/main" id="{FA619430-3FCC-4906-BCF7-84C21CE520CB}"/>
               </a:ext>
             </a:extLst>
           </p:cNvPr>
-          <p:cNvPicPr>
-            <a:picLocks noGrp="1" noChangeAspect="1"/>
-          </p:cNvPicPr>
+          <p:cNvSpPr>
+            <a:spLocks noGrp="1"/>
+          </p:cNvSpPr>
           <p:nvPr>
             <p:ph idx="1"/>
           </p:nvPr>
-        </p:nvPicPr>
-        <p:blipFill>
-          <a:blip r:embed="rId2"/>
-          <a:stretch>
-            <a:fillRect/>
-          </a:stretch>
-        </p:blipFill>
-        <p:spPr>
-          <a:xfrm>
-            <a:off x="0" y="2647729"/>
-            <a:ext cx="12200311" cy="3763083"/>
-          </a:xfrm>
-        </p:spPr>
-      </p:pic>
+        </p:nvSpPr>
+        <p:spPr/>
+        <p:txBody>
+          <a:bodyPr/>
+          <a:lstStyle/>
+          <a:p>
+            <a:endParaRPr lang="nl-BE"/>
+          </a:p>
+        </p:txBody>
+      </p:sp>
     </p:spTree>
     <p:extLst>
       <p:ext uri="{BB962C8B-B14F-4D97-AF65-F5344CB8AC3E}">
-        <p14:creationId xmlns:p14="http://schemas.microsoft.com/office/powerpoint/2010/main" val="3304224356"/>
+        <p14:creationId xmlns:p14="http://schemas.microsoft.com/office/powerpoint/2010/main" val="1805319603"/>
       </p:ext>
     </p:extLst>
   </p:cSld>
@@ -6253,7 +7011,7 @@
           <p:cNvPr id="2" name="Titel 1">
             <a:extLst>
               <a:ext uri="{FF2B5EF4-FFF2-40B4-BE49-F238E27FC236}">
-                <a16:creationId xmlns:a16="http://schemas.microsoft.com/office/drawing/2014/main" id="{3A5405A0-3E6E-4935-AA9B-73FB0991B8B1}"/>
+                <a16:creationId xmlns:a16="http://schemas.microsoft.com/office/drawing/2014/main" id="{3DC7B748-E867-4784-8F7D-537A0D2573F1}"/>
               </a:ext>
             </a:extLst>
           </p:cNvPr>
@@ -6271,144 +7029,40 @@
           <a:p>
             <a:r>
               <a:rPr lang="nl-BE" dirty="0"/>
-              <a:t>Analyse: Database</a:t>
-            </a:r>
-          </a:p>
-        </p:txBody>
-      </p:sp>
-      <p:pic>
-        <p:nvPicPr>
-          <p:cNvPr id="9" name="Tijdelijke aanduiding voor inhoud 8">
+              <a:t>Joren</a:t>
+            </a:r>
+          </a:p>
+        </p:txBody>
+      </p:sp>
+      <p:sp>
+        <p:nvSpPr>
+          <p:cNvPr id="3" name="Tijdelijke aanduiding voor inhoud 2">
             <a:extLst>
               <a:ext uri="{FF2B5EF4-FFF2-40B4-BE49-F238E27FC236}">
-                <a16:creationId xmlns:a16="http://schemas.microsoft.com/office/drawing/2014/main" id="{4CE112C0-384C-475A-86C1-69904FC9033B}"/>
+                <a16:creationId xmlns:a16="http://schemas.microsoft.com/office/drawing/2014/main" id="{B892A9D7-3732-423F-86AA-76D89E6FDBDC}"/>
               </a:ext>
             </a:extLst>
           </p:cNvPr>
-          <p:cNvPicPr>
-            <a:picLocks noGrp="1" noChangeAspect="1"/>
-          </p:cNvPicPr>
+          <p:cNvSpPr>
+            <a:spLocks noGrp="1"/>
+          </p:cNvSpPr>
           <p:nvPr>
             <p:ph idx="1"/>
           </p:nvPr>
-        </p:nvPicPr>
-        <p:blipFill>
-          <a:blip r:embed="rId2"/>
-          <a:stretch>
-            <a:fillRect/>
-          </a:stretch>
-        </p:blipFill>
-        <p:spPr>
-          <a:xfrm>
-            <a:off x="0" y="2870932"/>
-            <a:ext cx="4977807" cy="2732914"/>
-          </a:xfrm>
-        </p:spPr>
-      </p:pic>
-      <p:pic>
-        <p:nvPicPr>
-          <p:cNvPr id="11" name="Afbeelding 10">
-            <a:extLst>
-              <a:ext uri="{FF2B5EF4-FFF2-40B4-BE49-F238E27FC236}">
-                <a16:creationId xmlns:a16="http://schemas.microsoft.com/office/drawing/2014/main" id="{AF2F7B23-174A-40E3-BF2C-0D1319902EF6}"/>
-              </a:ext>
-            </a:extLst>
-          </p:cNvPr>
-          <p:cNvPicPr>
-            <a:picLocks noChangeAspect="1"/>
-          </p:cNvPicPr>
-          <p:nvPr/>
-        </p:nvPicPr>
-        <p:blipFill>
-          <a:blip r:embed="rId3"/>
-          <a:stretch>
-            <a:fillRect/>
-          </a:stretch>
-        </p:blipFill>
-        <p:spPr>
-          <a:xfrm>
-            <a:off x="4983061" y="2870932"/>
-            <a:ext cx="7208940" cy="3987068"/>
-          </a:xfrm>
-          <a:prstGeom prst="rect">
-            <a:avLst/>
-          </a:prstGeom>
-        </p:spPr>
-      </p:pic>
-      <p:sp>
-        <p:nvSpPr>
-          <p:cNvPr id="12" name="Tekstvak 11">
-            <a:extLst>
-              <a:ext uri="{FF2B5EF4-FFF2-40B4-BE49-F238E27FC236}">
-                <a16:creationId xmlns:a16="http://schemas.microsoft.com/office/drawing/2014/main" id="{B2F41C9C-E585-4FBB-BE73-3C0888C84F05}"/>
-              </a:ext>
-            </a:extLst>
-          </p:cNvPr>
-          <p:cNvSpPr txBox="1"/>
-          <p:nvPr/>
-        </p:nvSpPr>
-        <p:spPr>
-          <a:xfrm>
-            <a:off x="38635" y="2501600"/>
-            <a:ext cx="771365" cy="369332"/>
-          </a:xfrm>
-          <a:prstGeom prst="rect">
-            <a:avLst/>
-          </a:prstGeom>
-          <a:noFill/>
-        </p:spPr>
-        <p:txBody>
-          <a:bodyPr wrap="none" rtlCol="0">
-            <a:spAutoFit/>
-          </a:bodyPr>
-          <a:lstStyle/>
-          <a:p>
-            <a:r>
-              <a:rPr lang="nl-BE" dirty="0"/>
-              <a:t>OUD:</a:t>
-            </a:r>
-          </a:p>
-        </p:txBody>
-      </p:sp>
-      <p:sp>
-        <p:nvSpPr>
-          <p:cNvPr id="13" name="Tekstvak 12">
-            <a:extLst>
-              <a:ext uri="{FF2B5EF4-FFF2-40B4-BE49-F238E27FC236}">
-                <a16:creationId xmlns:a16="http://schemas.microsoft.com/office/drawing/2014/main" id="{7E29E95E-30C8-477F-9D88-7C8DCDE736B5}"/>
-              </a:ext>
-            </a:extLst>
-          </p:cNvPr>
-          <p:cNvSpPr txBox="1"/>
-          <p:nvPr/>
-        </p:nvSpPr>
-        <p:spPr>
-          <a:xfrm>
-            <a:off x="5127464" y="2501600"/>
-            <a:ext cx="968535" cy="369332"/>
-          </a:xfrm>
-          <a:prstGeom prst="rect">
-            <a:avLst/>
-          </a:prstGeom>
-          <a:noFill/>
-        </p:spPr>
-        <p:txBody>
-          <a:bodyPr wrap="none" rtlCol="0">
-            <a:spAutoFit/>
-          </a:bodyPr>
-          <a:lstStyle/>
-          <a:p>
-            <a:r>
-              <a:rPr lang="nl-BE" dirty="0"/>
-              <a:t>NIEUW:</a:t>
-            </a:r>
+        </p:nvSpPr>
+        <p:spPr/>
+        <p:txBody>
+          <a:bodyPr/>
+          <a:lstStyle/>
+          <a:p>
+            <a:endParaRPr lang="nl-BE"/>
           </a:p>
         </p:txBody>
       </p:sp>
     </p:spTree>
     <p:extLst>
       <p:ext uri="{BB962C8B-B14F-4D97-AF65-F5344CB8AC3E}">
-        <p14:creationId xmlns:p14="http://schemas.microsoft.com/office/powerpoint/2010/main" val="118631540"/>
+        <p14:creationId xmlns:p14="http://schemas.microsoft.com/office/powerpoint/2010/main" val="3245199921"/>
       </p:ext>
     </p:extLst>
   </p:cSld>
@@ -6440,7 +7094,7 @@
           <p:cNvPr id="2" name="Titel 1">
             <a:extLst>
               <a:ext uri="{FF2B5EF4-FFF2-40B4-BE49-F238E27FC236}">
-                <a16:creationId xmlns:a16="http://schemas.microsoft.com/office/drawing/2014/main" id="{B85FE014-3863-4FCF-BE18-916CB73C906A}"/>
+                <a16:creationId xmlns:a16="http://schemas.microsoft.com/office/drawing/2014/main" id="{586097F1-715B-4274-BAEE-A8A6D9F3A29D}"/>
               </a:ext>
             </a:extLst>
           </p:cNvPr>
@@ -6458,7 +7112,7 @@
           <a:p>
             <a:r>
               <a:rPr lang="nl-BE" dirty="0"/>
-              <a:t>Problemen</a:t>
+              <a:t>Kevin</a:t>
             </a:r>
           </a:p>
         </p:txBody>
@@ -6468,7 +7122,7 @@
           <p:cNvPr id="3" name="Tijdelijke aanduiding voor inhoud 2">
             <a:extLst>
               <a:ext uri="{FF2B5EF4-FFF2-40B4-BE49-F238E27FC236}">
-                <a16:creationId xmlns:a16="http://schemas.microsoft.com/office/drawing/2014/main" id="{7D3F94B8-CE6A-4B10-BCC8-00A95AA9568A}"/>
+                <a16:creationId xmlns:a16="http://schemas.microsoft.com/office/drawing/2014/main" id="{BAF7BA55-F003-45DD-9E17-C982448BE2A8}"/>
               </a:ext>
             </a:extLst>
           </p:cNvPr>
@@ -6484,73 +7138,14 @@
           <a:bodyPr/>
           <a:lstStyle/>
           <a:p>
-            <a:r>
-              <a:rPr lang="nl-BE" dirty="0"/>
-              <a:t>Backend = python (nieuw)</a:t>
-            </a:r>
-          </a:p>
-          <a:p>
-            <a:pPr lvl="1"/>
-            <a:r>
-              <a:rPr lang="nl-BE" dirty="0"/>
-              <a:t>Zoeken naar </a:t>
-            </a:r>
-            <a:r>
-              <a:rPr lang="nl-BE" dirty="0" err="1"/>
-              <a:t>libaries</a:t>
-            </a:r>
-            <a:endParaRPr lang="nl-BE" dirty="0"/>
-          </a:p>
-          <a:p>
-            <a:pPr lvl="1"/>
-            <a:r>
-              <a:rPr lang="nl-BE" dirty="0"/>
-              <a:t>Probleem met 2 tabellen te </a:t>
-            </a:r>
-            <a:r>
-              <a:rPr lang="nl-BE" dirty="0" err="1"/>
-              <a:t>joinen</a:t>
-            </a:r>
-            <a:r>
-              <a:rPr lang="nl-BE" dirty="0"/>
-              <a:t> in de API</a:t>
-            </a:r>
-          </a:p>
-          <a:p>
-            <a:r>
-              <a:rPr lang="nl-BE" dirty="0" err="1"/>
-              <a:t>React</a:t>
-            </a:r>
-            <a:r>
-              <a:rPr lang="nl-BE" dirty="0"/>
-              <a:t> Native leren nam teveel tijd in beslag </a:t>
-            </a:r>
-            <a:r>
-              <a:rPr lang="nl-BE" dirty="0">
-                <a:sym typeface="Wingdings" panose="05000000000000000000" pitchFamily="2" charset="2"/>
-              </a:rPr>
-              <a:t> Native Android app (</a:t>
-            </a:r>
-            <a:r>
-              <a:rPr lang="nl-BE" dirty="0" err="1">
-                <a:sym typeface="Wingdings" panose="05000000000000000000" pitchFamily="2" charset="2"/>
-              </a:rPr>
-              <a:t>kotlin</a:t>
-            </a:r>
-            <a:r>
-              <a:rPr lang="nl-BE" dirty="0">
-                <a:sym typeface="Wingdings" panose="05000000000000000000" pitchFamily="2" charset="2"/>
-              </a:rPr>
-              <a:t>)</a:t>
-            </a:r>
-            <a:endParaRPr lang="nl-BE" dirty="0"/>
+            <a:endParaRPr lang="nl-BE"/>
           </a:p>
         </p:txBody>
       </p:sp>
     </p:spTree>
     <p:extLst>
       <p:ext uri="{BB962C8B-B14F-4D97-AF65-F5344CB8AC3E}">
-        <p14:creationId xmlns:p14="http://schemas.microsoft.com/office/powerpoint/2010/main" val="4270976279"/>
+        <p14:creationId xmlns:p14="http://schemas.microsoft.com/office/powerpoint/2010/main" val="594560169"/>
       </p:ext>
     </p:extLst>
   </p:cSld>

--- a/doc/Presentatie November.pptx
+++ b/doc/Presentatie November.pptx
@@ -14,13 +14,15 @@
     <p:sldId id="270" r:id="rId8"/>
     <p:sldId id="268" r:id="rId9"/>
     <p:sldId id="269" r:id="rId10"/>
-    <p:sldId id="262" r:id="rId11"/>
-    <p:sldId id="264" r:id="rId12"/>
-    <p:sldId id="259" r:id="rId13"/>
-    <p:sldId id="263" r:id="rId14"/>
-    <p:sldId id="265" r:id="rId15"/>
-    <p:sldId id="260" r:id="rId16"/>
-    <p:sldId id="261" r:id="rId17"/>
+    <p:sldId id="260" r:id="rId11"/>
+    <p:sldId id="262" r:id="rId12"/>
+    <p:sldId id="264" r:id="rId13"/>
+    <p:sldId id="259" r:id="rId14"/>
+    <p:sldId id="263" r:id="rId15"/>
+    <p:sldId id="265" r:id="rId16"/>
+    <p:sldId id="272" r:id="rId17"/>
+    <p:sldId id="273" r:id="rId18"/>
+    <p:sldId id="261" r:id="rId19"/>
   </p:sldIdLst>
   <p:sldSz cx="12192000" cy="6858000"/>
   <p:notesSz cx="6858000" cy="9144000"/>
@@ -222,7 +224,7 @@
           <a:effectLst/>
           <a:extLst>
             <a:ext uri="{91240B29-F687-4f45-9708-019B960494DF}">
-              <a14:hiddenLine xmlns="" xmlns:a14="http://schemas.microsoft.com/office/drawing/2010/main" w="9525">
+              <a14:hiddenLine xmlns:a14="http://schemas.microsoft.com/office/drawing/2010/main" xmlns="" w="9525">
                 <a:solidFill>
                   <a:srgbClr val="000000"/>
                 </a:solidFill>
@@ -1732,7 +1734,7 @@
           <a:ln/>
           <a:extLst>
             <a:ext uri="{91240B29-F687-4f45-9708-019B960494DF}">
-              <a14:hiddenLine xmlns="" xmlns:a14="http://schemas.microsoft.com/office/drawing/2010/main" w="9525">
+              <a14:hiddenLine xmlns:a14="http://schemas.microsoft.com/office/drawing/2010/main" xmlns="" w="9525">
                 <a:solidFill>
                   <a:srgbClr val="000000"/>
                 </a:solidFill>
@@ -2004,7 +2006,7 @@
           <a:ln/>
           <a:extLst>
             <a:ext uri="{91240B29-F687-4f45-9708-019B960494DF}">
-              <a14:hiddenLine xmlns="" xmlns:a14="http://schemas.microsoft.com/office/drawing/2010/main" w="9525">
+              <a14:hiddenLine xmlns:a14="http://schemas.microsoft.com/office/drawing/2010/main" xmlns="" w="9525">
                 <a:solidFill>
                   <a:srgbClr val="000000"/>
                 </a:solidFill>
@@ -2284,7 +2286,7 @@
           <a:ln/>
           <a:extLst>
             <a:ext uri="{91240B29-F687-4f45-9708-019B960494DF}">
-              <a14:hiddenLine xmlns="" xmlns:a14="http://schemas.microsoft.com/office/drawing/2010/main" w="9525">
+              <a14:hiddenLine xmlns:a14="http://schemas.microsoft.com/office/drawing/2010/main" xmlns="" w="9525">
                 <a:solidFill>
                   <a:srgbClr val="000000"/>
                 </a:solidFill>
@@ -2904,7 +2906,7 @@
           <a:ln/>
           <a:extLst>
             <a:ext uri="{91240B29-F687-4f45-9708-019B960494DF}">
-              <a14:hiddenLine xmlns="" xmlns:a14="http://schemas.microsoft.com/office/drawing/2010/main" w="9525">
+              <a14:hiddenLine xmlns:a14="http://schemas.microsoft.com/office/drawing/2010/main" xmlns="" w="9525">
                 <a:solidFill>
                   <a:srgbClr val="000000"/>
                 </a:solidFill>
@@ -3240,7 +3242,7 @@
           <a:ln/>
           <a:extLst>
             <a:ext uri="{91240B29-F687-4f45-9708-019B960494DF}">
-              <a14:hiddenLine xmlns="" xmlns:a14="http://schemas.microsoft.com/office/drawing/2010/main" w="9525">
+              <a14:hiddenLine xmlns:a14="http://schemas.microsoft.com/office/drawing/2010/main" xmlns="" w="9525">
                 <a:solidFill>
                   <a:srgbClr val="000000"/>
                 </a:solidFill>
@@ -3714,7 +3716,7 @@
           <a:ln/>
           <a:extLst>
             <a:ext uri="{91240B29-F687-4f45-9708-019B960494DF}">
-              <a14:hiddenLine xmlns="" xmlns:a14="http://schemas.microsoft.com/office/drawing/2010/main" w="9525">
+              <a14:hiddenLine xmlns:a14="http://schemas.microsoft.com/office/drawing/2010/main" xmlns="" w="9525">
                 <a:solidFill>
                   <a:srgbClr val="000000"/>
                 </a:solidFill>
@@ -4137,7 +4139,7 @@
           <a:ln/>
           <a:extLst>
             <a:ext uri="{91240B29-F687-4f45-9708-019B960494DF}">
-              <a14:hiddenLine xmlns="" xmlns:a14="http://schemas.microsoft.com/office/drawing/2010/main" w="9525">
+              <a14:hiddenLine xmlns:a14="http://schemas.microsoft.com/office/drawing/2010/main" xmlns="" w="9525">
                 <a:solidFill>
                   <a:srgbClr val="000000"/>
                 </a:solidFill>
@@ -5451,6 +5453,191 @@
           <p:cNvPr id="2" name="Titel 1">
             <a:extLst>
               <a:ext uri="{FF2B5EF4-FFF2-40B4-BE49-F238E27FC236}">
+                <a16:creationId xmlns:a16="http://schemas.microsoft.com/office/drawing/2014/main" id="{B85FE014-3863-4FCF-BE18-916CB73C906A}"/>
+              </a:ext>
+            </a:extLst>
+          </p:cNvPr>
+          <p:cNvSpPr>
+            <a:spLocks noGrp="1"/>
+          </p:cNvSpPr>
+          <p:nvPr>
+            <p:ph type="title"/>
+          </p:nvPr>
+        </p:nvSpPr>
+        <p:spPr/>
+        <p:txBody>
+          <a:bodyPr/>
+          <a:lstStyle/>
+          <a:p>
+            <a:r>
+              <a:rPr lang="nl-BE" dirty="0"/>
+              <a:t>Problemen</a:t>
+            </a:r>
+          </a:p>
+        </p:txBody>
+      </p:sp>
+      <p:sp>
+        <p:nvSpPr>
+          <p:cNvPr id="3" name="Tijdelijke aanduiding voor inhoud 2">
+            <a:extLst>
+              <a:ext uri="{FF2B5EF4-FFF2-40B4-BE49-F238E27FC236}">
+                <a16:creationId xmlns:a16="http://schemas.microsoft.com/office/drawing/2014/main" id="{7D3F94B8-CE6A-4B10-BCC8-00A95AA9568A}"/>
+              </a:ext>
+            </a:extLst>
+          </p:cNvPr>
+          <p:cNvSpPr>
+            <a:spLocks noGrp="1"/>
+          </p:cNvSpPr>
+          <p:nvPr>
+            <p:ph idx="1"/>
+          </p:nvPr>
+        </p:nvSpPr>
+        <p:spPr/>
+        <p:txBody>
+          <a:bodyPr/>
+          <a:lstStyle/>
+          <a:p>
+            <a:r>
+              <a:rPr lang="nl-BE" dirty="0"/>
+              <a:t>Backend = python (nieuw)</a:t>
+            </a:r>
+          </a:p>
+          <a:p>
+            <a:pPr lvl="1"/>
+            <a:r>
+              <a:rPr lang="nl-BE" dirty="0"/>
+              <a:t>Zoeken naar </a:t>
+            </a:r>
+            <a:r>
+              <a:rPr lang="nl-BE" dirty="0" err="1"/>
+              <a:t>libaries</a:t>
+            </a:r>
+            <a:endParaRPr lang="nl-BE" dirty="0"/>
+          </a:p>
+          <a:p>
+            <a:pPr lvl="1"/>
+            <a:r>
+              <a:rPr lang="nl-BE" dirty="0"/>
+              <a:t>Probleem met 2 tabellen te </a:t>
+            </a:r>
+            <a:r>
+              <a:rPr lang="nl-BE" dirty="0" err="1"/>
+              <a:t>joinen</a:t>
+            </a:r>
+            <a:r>
+              <a:rPr lang="nl-BE" dirty="0"/>
+              <a:t> in de API</a:t>
+            </a:r>
+          </a:p>
+          <a:p>
+            <a:r>
+              <a:rPr lang="nl-BE" dirty="0" err="1"/>
+              <a:t>React</a:t>
+            </a:r>
+            <a:r>
+              <a:rPr lang="nl-BE" dirty="0"/>
+              <a:t> Native leren nam teveel tijd in beslag </a:t>
+            </a:r>
+            <a:r>
+              <a:rPr lang="nl-BE" dirty="0">
+                <a:sym typeface="Wingdings" panose="05000000000000000000" pitchFamily="2" charset="2"/>
+              </a:rPr>
+              <a:t> Native Android app (</a:t>
+            </a:r>
+            <a:r>
+              <a:rPr lang="nl-BE" dirty="0" err="1">
+                <a:sym typeface="Wingdings" panose="05000000000000000000" pitchFamily="2" charset="2"/>
+              </a:rPr>
+              <a:t>kotlin</a:t>
+            </a:r>
+            <a:r>
+              <a:rPr lang="nl-BE" dirty="0">
+                <a:sym typeface="Wingdings" panose="05000000000000000000" pitchFamily="2" charset="2"/>
+              </a:rPr>
+              <a:t>)</a:t>
+            </a:r>
+          </a:p>
+          <a:p>
+            <a:r>
+              <a:rPr lang="nl-BE" dirty="0">
+                <a:sym typeface="Wingdings" panose="05000000000000000000" pitchFamily="2" charset="2"/>
+              </a:rPr>
+              <a:t>PCB print</a:t>
+            </a:r>
+          </a:p>
+          <a:p>
+            <a:r>
+              <a:rPr lang="nl-BE" dirty="0">
+                <a:sym typeface="Wingdings" panose="05000000000000000000" pitchFamily="2" charset="2"/>
+              </a:rPr>
+              <a:t>Nog geen kennis over </a:t>
+            </a:r>
+            <a:r>
+              <a:rPr lang="nl-BE" dirty="0" err="1">
+                <a:sym typeface="Wingdings" panose="05000000000000000000" pitchFamily="2" charset="2"/>
+              </a:rPr>
+              <a:t>zonnenpanelen</a:t>
+            </a:r>
+            <a:r>
+              <a:rPr lang="nl-BE" dirty="0">
+                <a:sym typeface="Wingdings" panose="05000000000000000000" pitchFamily="2" charset="2"/>
+              </a:rPr>
+              <a:t> + batterijen</a:t>
+            </a:r>
+          </a:p>
+          <a:p>
+            <a:r>
+              <a:rPr lang="nl-BE" dirty="0">
+                <a:sym typeface="Wingdings" panose="05000000000000000000" pitchFamily="2" charset="2"/>
+              </a:rPr>
+              <a:t>Beperkte management skills</a:t>
+            </a:r>
+          </a:p>
+          <a:p>
+            <a:endParaRPr lang="nl-BE" dirty="0">
+              <a:sym typeface="Wingdings" panose="05000000000000000000" pitchFamily="2" charset="2"/>
+            </a:endParaRPr>
+          </a:p>
+          <a:p>
+            <a:endParaRPr lang="nl-BE" dirty="0"/>
+          </a:p>
+        </p:txBody>
+      </p:sp>
+    </p:spTree>
+    <p:extLst>
+      <p:ext uri="{BB962C8B-B14F-4D97-AF65-F5344CB8AC3E}">
+        <p14:creationId xmlns:p14="http://schemas.microsoft.com/office/powerpoint/2010/main" val="4270976279"/>
+      </p:ext>
+    </p:extLst>
+  </p:cSld>
+  <p:clrMapOvr>
+    <a:masterClrMapping/>
+  </p:clrMapOvr>
+</p:sld>
+</file>
+
+<file path=ppt/slides/slide11.xml><?xml version="1.0" encoding="utf-8"?>
+<p:sld xmlns:a="http://schemas.openxmlformats.org/drawingml/2006/main" xmlns:r="http://schemas.openxmlformats.org/officeDocument/2006/relationships" xmlns:p="http://schemas.openxmlformats.org/presentationml/2006/main">
+  <p:cSld>
+    <p:spTree>
+      <p:nvGrpSpPr>
+        <p:cNvPr id="1" name=""/>
+        <p:cNvGrpSpPr/>
+        <p:nvPr/>
+      </p:nvGrpSpPr>
+      <p:grpSpPr>
+        <a:xfrm>
+          <a:off x="0" y="0"/>
+          <a:ext cx="0" cy="0"/>
+          <a:chOff x="0" y="0"/>
+          <a:chExt cx="0" cy="0"/>
+        </a:xfrm>
+      </p:grpSpPr>
+      <p:sp>
+        <p:nvSpPr>
+          <p:cNvPr id="2" name="Titel 1">
+            <a:extLst>
+              <a:ext uri="{FF2B5EF4-FFF2-40B4-BE49-F238E27FC236}">
                 <a16:creationId xmlns:a16="http://schemas.microsoft.com/office/drawing/2014/main" id="{889730DE-2854-464E-A94B-0B4722F028C0}"/>
               </a:ext>
             </a:extLst>
@@ -5546,7 +5733,7 @@
 </p:sld>
 </file>
 
-<file path=ppt/slides/slide11.xml><?xml version="1.0" encoding="utf-8"?>
+<file path=ppt/slides/slide12.xml><?xml version="1.0" encoding="utf-8"?>
 <p:sld xmlns:a="http://schemas.openxmlformats.org/drawingml/2006/main" xmlns:r="http://schemas.openxmlformats.org/officeDocument/2006/relationships" xmlns:p="http://schemas.openxmlformats.org/presentationml/2006/main">
   <p:cSld>
     <p:spTree>
@@ -5733,7 +5920,7 @@
 </p:sld>
 </file>
 
-<file path=ppt/slides/slide12.xml><?xml version="1.0" encoding="utf-8"?>
+<file path=ppt/slides/slide13.xml><?xml version="1.0" encoding="utf-8"?>
 <p:sld xmlns:a="http://schemas.openxmlformats.org/drawingml/2006/main" xmlns:r="http://schemas.openxmlformats.org/officeDocument/2006/relationships" xmlns:p="http://schemas.openxmlformats.org/presentationml/2006/main">
   <p:cSld>
     <p:spTree>
@@ -5820,7 +6007,7 @@
 </p:sld>
 </file>
 
-<file path=ppt/slides/slide13.xml><?xml version="1.0" encoding="utf-8"?>
+<file path=ppt/slides/slide14.xml><?xml version="1.0" encoding="utf-8"?>
 <p:sld xmlns:a="http://schemas.openxmlformats.org/drawingml/2006/main" xmlns:r="http://schemas.openxmlformats.org/officeDocument/2006/relationships" xmlns:p="http://schemas.openxmlformats.org/presentationml/2006/main">
   <p:cSld>
     <p:spTree>
@@ -5915,193 +6102,6 @@
 </p:sld>
 </file>
 
-<file path=ppt/slides/slide14.xml><?xml version="1.0" encoding="utf-8"?>
-<p:sld xmlns:a="http://schemas.openxmlformats.org/drawingml/2006/main" xmlns:r="http://schemas.openxmlformats.org/officeDocument/2006/relationships" xmlns:p="http://schemas.openxmlformats.org/presentationml/2006/main">
-  <p:cSld>
-    <p:spTree>
-      <p:nvGrpSpPr>
-        <p:cNvPr id="1" name=""/>
-        <p:cNvGrpSpPr/>
-        <p:nvPr/>
-      </p:nvGrpSpPr>
-      <p:grpSpPr>
-        <a:xfrm>
-          <a:off x="0" y="0"/>
-          <a:ext cx="0" cy="0"/>
-          <a:chOff x="0" y="0"/>
-          <a:chExt cx="0" cy="0"/>
-        </a:xfrm>
-      </p:grpSpPr>
-      <p:sp>
-        <p:nvSpPr>
-          <p:cNvPr id="2" name="Titel 1">
-            <a:extLst>
-              <a:ext uri="{FF2B5EF4-FFF2-40B4-BE49-F238E27FC236}">
-                <a16:creationId xmlns:a16="http://schemas.microsoft.com/office/drawing/2014/main" id="{3A5405A0-3E6E-4935-AA9B-73FB0991B8B1}"/>
-              </a:ext>
-            </a:extLst>
-          </p:cNvPr>
-          <p:cNvSpPr>
-            <a:spLocks noGrp="1"/>
-          </p:cNvSpPr>
-          <p:nvPr>
-            <p:ph type="title"/>
-          </p:nvPr>
-        </p:nvSpPr>
-        <p:spPr/>
-        <p:txBody>
-          <a:bodyPr/>
-          <a:lstStyle/>
-          <a:p>
-            <a:r>
-              <a:rPr lang="nl-BE" dirty="0"/>
-              <a:t>Analyse: Database</a:t>
-            </a:r>
-          </a:p>
-        </p:txBody>
-      </p:sp>
-      <p:pic>
-        <p:nvPicPr>
-          <p:cNvPr id="9" name="Tijdelijke aanduiding voor inhoud 8">
-            <a:extLst>
-              <a:ext uri="{FF2B5EF4-FFF2-40B4-BE49-F238E27FC236}">
-                <a16:creationId xmlns:a16="http://schemas.microsoft.com/office/drawing/2014/main" id="{4CE112C0-384C-475A-86C1-69904FC9033B}"/>
-              </a:ext>
-            </a:extLst>
-          </p:cNvPr>
-          <p:cNvPicPr>
-            <a:picLocks noGrp="1" noChangeAspect="1"/>
-          </p:cNvPicPr>
-          <p:nvPr>
-            <p:ph idx="1"/>
-          </p:nvPr>
-        </p:nvPicPr>
-        <p:blipFill>
-          <a:blip r:embed="rId2"/>
-          <a:stretch>
-            <a:fillRect/>
-          </a:stretch>
-        </p:blipFill>
-        <p:spPr>
-          <a:xfrm>
-            <a:off x="0" y="2870932"/>
-            <a:ext cx="4977807" cy="2732914"/>
-          </a:xfrm>
-        </p:spPr>
-      </p:pic>
-      <p:pic>
-        <p:nvPicPr>
-          <p:cNvPr id="11" name="Afbeelding 10">
-            <a:extLst>
-              <a:ext uri="{FF2B5EF4-FFF2-40B4-BE49-F238E27FC236}">
-                <a16:creationId xmlns:a16="http://schemas.microsoft.com/office/drawing/2014/main" id="{AF2F7B23-174A-40E3-BF2C-0D1319902EF6}"/>
-              </a:ext>
-            </a:extLst>
-          </p:cNvPr>
-          <p:cNvPicPr>
-            <a:picLocks noChangeAspect="1"/>
-          </p:cNvPicPr>
-          <p:nvPr/>
-        </p:nvPicPr>
-        <p:blipFill>
-          <a:blip r:embed="rId3"/>
-          <a:stretch>
-            <a:fillRect/>
-          </a:stretch>
-        </p:blipFill>
-        <p:spPr>
-          <a:xfrm>
-            <a:off x="4983061" y="2870932"/>
-            <a:ext cx="7208940" cy="3987068"/>
-          </a:xfrm>
-          <a:prstGeom prst="rect">
-            <a:avLst/>
-          </a:prstGeom>
-        </p:spPr>
-      </p:pic>
-      <p:sp>
-        <p:nvSpPr>
-          <p:cNvPr id="12" name="Tekstvak 11">
-            <a:extLst>
-              <a:ext uri="{FF2B5EF4-FFF2-40B4-BE49-F238E27FC236}">
-                <a16:creationId xmlns:a16="http://schemas.microsoft.com/office/drawing/2014/main" id="{B2F41C9C-E585-4FBB-BE73-3C0888C84F05}"/>
-              </a:ext>
-            </a:extLst>
-          </p:cNvPr>
-          <p:cNvSpPr txBox="1"/>
-          <p:nvPr/>
-        </p:nvSpPr>
-        <p:spPr>
-          <a:xfrm>
-            <a:off x="38635" y="2501600"/>
-            <a:ext cx="771365" cy="369332"/>
-          </a:xfrm>
-          <a:prstGeom prst="rect">
-            <a:avLst/>
-          </a:prstGeom>
-          <a:noFill/>
-        </p:spPr>
-        <p:txBody>
-          <a:bodyPr wrap="none" rtlCol="0">
-            <a:spAutoFit/>
-          </a:bodyPr>
-          <a:lstStyle/>
-          <a:p>
-            <a:r>
-              <a:rPr lang="nl-BE" dirty="0"/>
-              <a:t>OUD:</a:t>
-            </a:r>
-          </a:p>
-        </p:txBody>
-      </p:sp>
-      <p:sp>
-        <p:nvSpPr>
-          <p:cNvPr id="13" name="Tekstvak 12">
-            <a:extLst>
-              <a:ext uri="{FF2B5EF4-FFF2-40B4-BE49-F238E27FC236}">
-                <a16:creationId xmlns:a16="http://schemas.microsoft.com/office/drawing/2014/main" id="{7E29E95E-30C8-477F-9D88-7C8DCDE736B5}"/>
-              </a:ext>
-            </a:extLst>
-          </p:cNvPr>
-          <p:cNvSpPr txBox="1"/>
-          <p:nvPr/>
-        </p:nvSpPr>
-        <p:spPr>
-          <a:xfrm>
-            <a:off x="5127464" y="2501600"/>
-            <a:ext cx="968535" cy="369332"/>
-          </a:xfrm>
-          <a:prstGeom prst="rect">
-            <a:avLst/>
-          </a:prstGeom>
-          <a:noFill/>
-        </p:spPr>
-        <p:txBody>
-          <a:bodyPr wrap="none" rtlCol="0">
-            <a:spAutoFit/>
-          </a:bodyPr>
-          <a:lstStyle/>
-          <a:p>
-            <a:r>
-              <a:rPr lang="nl-BE" dirty="0"/>
-              <a:t>NIEUW:</a:t>
-            </a:r>
-          </a:p>
-        </p:txBody>
-      </p:sp>
-    </p:spTree>
-    <p:extLst>
-      <p:ext uri="{BB962C8B-B14F-4D97-AF65-F5344CB8AC3E}">
-        <p14:creationId xmlns:p14="http://schemas.microsoft.com/office/powerpoint/2010/main" val="118631540"/>
-      </p:ext>
-    </p:extLst>
-  </p:cSld>
-  <p:clrMapOvr>
-    <a:masterClrMapping/>
-  </p:clrMapOvr>
-</p:sld>
-</file>
-
 <file path=ppt/slides/slide15.xml><?xml version="1.0" encoding="utf-8"?>
 <p:sld xmlns:a="http://schemas.openxmlformats.org/drawingml/2006/main" xmlns:r="http://schemas.openxmlformats.org/officeDocument/2006/relationships" xmlns:p="http://schemas.openxmlformats.org/presentationml/2006/main">
   <p:cSld>
@@ -6124,7 +6124,7 @@
           <p:cNvPr id="2" name="Titel 1">
             <a:extLst>
               <a:ext uri="{FF2B5EF4-FFF2-40B4-BE49-F238E27FC236}">
-                <a16:creationId xmlns:a16="http://schemas.microsoft.com/office/drawing/2014/main" id="{B85FE014-3863-4FCF-BE18-916CB73C906A}"/>
+                <a16:creationId xmlns:a16="http://schemas.microsoft.com/office/drawing/2014/main" id="{3A5405A0-3E6E-4935-AA9B-73FB0991B8B1}"/>
               </a:ext>
             </a:extLst>
           </p:cNvPr>
@@ -6142,99 +6142,79 @@
           <a:p>
             <a:r>
               <a:rPr lang="nl-BE" dirty="0"/>
-              <a:t>Problemen</a:t>
-            </a:r>
-          </a:p>
-        </p:txBody>
-      </p:sp>
-      <p:sp>
-        <p:nvSpPr>
-          <p:cNvPr id="3" name="Tijdelijke aanduiding voor inhoud 2">
+              <a:t>Analyse: Database</a:t>
+            </a:r>
+          </a:p>
+        </p:txBody>
+      </p:sp>
+      <p:pic>
+        <p:nvPicPr>
+          <p:cNvPr id="9" name="Tijdelijke aanduiding voor inhoud 8">
             <a:extLst>
               <a:ext uri="{FF2B5EF4-FFF2-40B4-BE49-F238E27FC236}">
-                <a16:creationId xmlns:a16="http://schemas.microsoft.com/office/drawing/2014/main" id="{7D3F94B8-CE6A-4B10-BCC8-00A95AA9568A}"/>
+                <a16:creationId xmlns:a16="http://schemas.microsoft.com/office/drawing/2014/main" id="{4CE112C0-384C-475A-86C1-69904FC9033B}"/>
               </a:ext>
             </a:extLst>
           </p:cNvPr>
-          <p:cNvSpPr>
-            <a:spLocks noGrp="1"/>
-          </p:cNvSpPr>
+          <p:cNvPicPr>
+            <a:picLocks noGrp="1" noChangeAspect="1"/>
+          </p:cNvPicPr>
           <p:nvPr>
             <p:ph idx="1"/>
           </p:nvPr>
-        </p:nvSpPr>
-        <p:spPr/>
-        <p:txBody>
-          <a:bodyPr/>
+        </p:nvPicPr>
+        <p:blipFill>
+          <a:blip r:embed="rId2"/>
+          <a:stretch>
+            <a:fillRect/>
+          </a:stretch>
+        </p:blipFill>
+        <p:spPr>
+          <a:xfrm>
+            <a:off x="1989306" y="2348689"/>
+            <a:ext cx="8213387" cy="4509311"/>
+          </a:xfrm>
+        </p:spPr>
+      </p:pic>
+      <p:sp>
+        <p:nvSpPr>
+          <p:cNvPr id="12" name="Tekstvak 11">
+            <a:extLst>
+              <a:ext uri="{FF2B5EF4-FFF2-40B4-BE49-F238E27FC236}">
+                <a16:creationId xmlns:a16="http://schemas.microsoft.com/office/drawing/2014/main" id="{B2F41C9C-E585-4FBB-BE73-3C0888C84F05}"/>
+              </a:ext>
+            </a:extLst>
+          </p:cNvPr>
+          <p:cNvSpPr txBox="1"/>
+          <p:nvPr/>
+        </p:nvSpPr>
+        <p:spPr>
+          <a:xfrm>
+            <a:off x="1217941" y="2348689"/>
+            <a:ext cx="771365" cy="369332"/>
+          </a:xfrm>
+          <a:prstGeom prst="rect">
+            <a:avLst/>
+          </a:prstGeom>
+          <a:noFill/>
+        </p:spPr>
+        <p:txBody>
+          <a:bodyPr wrap="none" rtlCol="0">
+            <a:spAutoFit/>
+          </a:bodyPr>
           <a:lstStyle/>
           <a:p>
             <a:r>
               <a:rPr lang="nl-BE" dirty="0"/>
-              <a:t>Backend = python (nieuw)</a:t>
-            </a:r>
-          </a:p>
-          <a:p>
-            <a:pPr lvl="1"/>
-            <a:r>
-              <a:rPr lang="nl-BE" dirty="0"/>
-              <a:t>Zoeken naar </a:t>
-            </a:r>
-            <a:r>
-              <a:rPr lang="nl-BE" dirty="0" err="1"/>
-              <a:t>libaries</a:t>
-            </a:r>
-            <a:endParaRPr lang="nl-BE" dirty="0"/>
-          </a:p>
-          <a:p>
-            <a:pPr lvl="1"/>
-            <a:r>
-              <a:rPr lang="nl-BE" dirty="0"/>
-              <a:t>Probleem met 2 tabellen te </a:t>
-            </a:r>
-            <a:r>
-              <a:rPr lang="nl-BE" dirty="0" err="1"/>
-              <a:t>joinen</a:t>
-            </a:r>
-            <a:r>
-              <a:rPr lang="nl-BE" dirty="0"/>
-              <a:t> in de API</a:t>
-            </a:r>
-          </a:p>
-          <a:p>
-            <a:r>
-              <a:rPr lang="nl-BE" dirty="0" err="1"/>
-              <a:t>React</a:t>
-            </a:r>
-            <a:r>
-              <a:rPr lang="nl-BE" dirty="0"/>
-              <a:t> Native leren nam teveel tijd in beslag </a:t>
-            </a:r>
-            <a:r>
-              <a:rPr lang="nl-BE" dirty="0">
-                <a:sym typeface="Wingdings" panose="05000000000000000000" pitchFamily="2" charset="2"/>
-              </a:rPr>
-              <a:t> Native Android app (</a:t>
-            </a:r>
-            <a:r>
-              <a:rPr lang="nl-BE" dirty="0" err="1">
-                <a:sym typeface="Wingdings" panose="05000000000000000000" pitchFamily="2" charset="2"/>
-              </a:rPr>
-              <a:t>kotlin</a:t>
-            </a:r>
-            <a:r>
-              <a:rPr lang="nl-BE" dirty="0">
-                <a:sym typeface="Wingdings" panose="05000000000000000000" pitchFamily="2" charset="2"/>
-              </a:rPr>
-              <a:t>)</a:t>
-            </a:r>
-            <a:endParaRPr lang="nl-BE" dirty="0"/>
+              <a:t>OUD:</a:t>
+            </a:r>
           </a:p>
         </p:txBody>
       </p:sp>
     </p:spTree>
     <p:extLst>
       <p:ext uri="{BB962C8B-B14F-4D97-AF65-F5344CB8AC3E}">
-        <p14:creationId xmlns:p14="http://schemas.microsoft.com/office/powerpoint/2010/main" val="4270976279"/>
+        <p14:creationId xmlns:p14="http://schemas.microsoft.com/office/powerpoint/2010/main" val="118631540"/>
       </p:ext>
     </p:extLst>
   </p:cSld>
@@ -6245,6 +6225,241 @@
 </file>
 
 <file path=ppt/slides/slide16.xml><?xml version="1.0" encoding="utf-8"?>
+<p:sld xmlns:a="http://schemas.openxmlformats.org/drawingml/2006/main" xmlns:r="http://schemas.openxmlformats.org/officeDocument/2006/relationships" xmlns:p="http://schemas.openxmlformats.org/presentationml/2006/main">
+  <p:cSld>
+    <p:spTree>
+      <p:nvGrpSpPr>
+        <p:cNvPr id="1" name=""/>
+        <p:cNvGrpSpPr/>
+        <p:nvPr/>
+      </p:nvGrpSpPr>
+      <p:grpSpPr>
+        <a:xfrm>
+          <a:off x="0" y="0"/>
+          <a:ext cx="0" cy="0"/>
+          <a:chOff x="0" y="0"/>
+          <a:chExt cx="0" cy="0"/>
+        </a:xfrm>
+      </p:grpSpPr>
+      <p:sp>
+        <p:nvSpPr>
+          <p:cNvPr id="2" name="Titel 1">
+            <a:extLst>
+              <a:ext uri="{FF2B5EF4-FFF2-40B4-BE49-F238E27FC236}">
+                <a16:creationId xmlns:a16="http://schemas.microsoft.com/office/drawing/2014/main" id="{530F61D0-2589-4092-846E-5DE534673D10}"/>
+              </a:ext>
+            </a:extLst>
+          </p:cNvPr>
+          <p:cNvSpPr>
+            <a:spLocks noGrp="1"/>
+          </p:cNvSpPr>
+          <p:nvPr>
+            <p:ph type="title"/>
+          </p:nvPr>
+        </p:nvSpPr>
+        <p:spPr/>
+        <p:txBody>
+          <a:bodyPr/>
+          <a:lstStyle/>
+          <a:p>
+            <a:r>
+              <a:rPr lang="nl-BE" dirty="0"/>
+              <a:t>Analyse: Database</a:t>
+            </a:r>
+          </a:p>
+        </p:txBody>
+      </p:sp>
+      <p:sp>
+        <p:nvSpPr>
+          <p:cNvPr id="3" name="Tijdelijke aanduiding voor inhoud 2">
+            <a:extLst>
+              <a:ext uri="{FF2B5EF4-FFF2-40B4-BE49-F238E27FC236}">
+                <a16:creationId xmlns:a16="http://schemas.microsoft.com/office/drawing/2014/main" id="{39B01F9E-3470-435D-98E0-9847CB189BEA}"/>
+              </a:ext>
+            </a:extLst>
+          </p:cNvPr>
+          <p:cNvSpPr>
+            <a:spLocks noGrp="1"/>
+          </p:cNvSpPr>
+          <p:nvPr>
+            <p:ph idx="1"/>
+          </p:nvPr>
+        </p:nvSpPr>
+        <p:spPr/>
+        <p:txBody>
+          <a:bodyPr/>
+          <a:lstStyle/>
+          <a:p>
+            <a:endParaRPr lang="nl-BE"/>
+          </a:p>
+        </p:txBody>
+      </p:sp>
+      <p:pic>
+        <p:nvPicPr>
+          <p:cNvPr id="4" name="Afbeelding 3">
+            <a:extLst>
+              <a:ext uri="{FF2B5EF4-FFF2-40B4-BE49-F238E27FC236}">
+                <a16:creationId xmlns:a16="http://schemas.microsoft.com/office/drawing/2014/main" id="{C8DA514A-B56E-4E12-80B6-208165EA3467}"/>
+              </a:ext>
+            </a:extLst>
+          </p:cNvPr>
+          <p:cNvPicPr>
+            <a:picLocks noChangeAspect="1"/>
+          </p:cNvPicPr>
+          <p:nvPr/>
+        </p:nvPicPr>
+        <p:blipFill>
+          <a:blip r:embed="rId2"/>
+          <a:stretch>
+            <a:fillRect/>
+          </a:stretch>
+        </p:blipFill>
+        <p:spPr>
+          <a:xfrm>
+            <a:off x="1905128" y="2222287"/>
+            <a:ext cx="8381742" cy="4635713"/>
+          </a:xfrm>
+          <a:prstGeom prst="rect">
+            <a:avLst/>
+          </a:prstGeom>
+        </p:spPr>
+      </p:pic>
+      <p:sp>
+        <p:nvSpPr>
+          <p:cNvPr id="5" name="Tekstvak 4">
+            <a:extLst>
+              <a:ext uri="{FF2B5EF4-FFF2-40B4-BE49-F238E27FC236}">
+                <a16:creationId xmlns:a16="http://schemas.microsoft.com/office/drawing/2014/main" id="{B01B3441-4DAC-433A-9783-CD33C335270B}"/>
+              </a:ext>
+            </a:extLst>
+          </p:cNvPr>
+          <p:cNvSpPr txBox="1"/>
+          <p:nvPr/>
+        </p:nvSpPr>
+        <p:spPr>
+          <a:xfrm>
+            <a:off x="936593" y="2222287"/>
+            <a:ext cx="968535" cy="369332"/>
+          </a:xfrm>
+          <a:prstGeom prst="rect">
+            <a:avLst/>
+          </a:prstGeom>
+          <a:noFill/>
+        </p:spPr>
+        <p:txBody>
+          <a:bodyPr wrap="none" rtlCol="0">
+            <a:spAutoFit/>
+          </a:bodyPr>
+          <a:lstStyle/>
+          <a:p>
+            <a:r>
+              <a:rPr lang="nl-BE" dirty="0"/>
+              <a:t>NIEUW:</a:t>
+            </a:r>
+          </a:p>
+        </p:txBody>
+      </p:sp>
+    </p:spTree>
+    <p:extLst>
+      <p:ext uri="{BB962C8B-B14F-4D97-AF65-F5344CB8AC3E}">
+        <p14:creationId xmlns:p14="http://schemas.microsoft.com/office/powerpoint/2010/main" val="4165732051"/>
+      </p:ext>
+    </p:extLst>
+  </p:cSld>
+  <p:clrMapOvr>
+    <a:masterClrMapping/>
+  </p:clrMapOvr>
+</p:sld>
+</file>
+
+<file path=ppt/slides/slide17.xml><?xml version="1.0" encoding="utf-8"?>
+<p:sld xmlns:a="http://schemas.openxmlformats.org/drawingml/2006/main" xmlns:r="http://schemas.openxmlformats.org/officeDocument/2006/relationships" xmlns:p="http://schemas.openxmlformats.org/presentationml/2006/main">
+  <p:cSld>
+    <p:spTree>
+      <p:nvGrpSpPr>
+        <p:cNvPr id="1" name=""/>
+        <p:cNvGrpSpPr/>
+        <p:nvPr/>
+      </p:nvGrpSpPr>
+      <p:grpSpPr>
+        <a:xfrm>
+          <a:off x="0" y="0"/>
+          <a:ext cx="0" cy="0"/>
+          <a:chOff x="0" y="0"/>
+          <a:chExt cx="0" cy="0"/>
+        </a:xfrm>
+      </p:grpSpPr>
+      <p:sp>
+        <p:nvSpPr>
+          <p:cNvPr id="2" name="Titel 1">
+            <a:extLst>
+              <a:ext uri="{FF2B5EF4-FFF2-40B4-BE49-F238E27FC236}">
+                <a16:creationId xmlns:a16="http://schemas.microsoft.com/office/drawing/2014/main" id="{1F825602-2BE4-41B8-8A3F-4B6F808FAB24}"/>
+              </a:ext>
+            </a:extLst>
+          </p:cNvPr>
+          <p:cNvSpPr>
+            <a:spLocks noGrp="1"/>
+          </p:cNvSpPr>
+          <p:nvPr>
+            <p:ph type="title"/>
+          </p:nvPr>
+        </p:nvSpPr>
+        <p:spPr/>
+        <p:txBody>
+          <a:bodyPr/>
+          <a:lstStyle/>
+          <a:p>
+            <a:r>
+              <a:rPr lang="nl-BE" dirty="0"/>
+              <a:t>Huidig Schema</a:t>
+            </a:r>
+          </a:p>
+        </p:txBody>
+      </p:sp>
+      <p:pic>
+        <p:nvPicPr>
+          <p:cNvPr id="10" name="Tijdelijke aanduiding voor inhoud 9">
+            <a:extLst>
+              <a:ext uri="{FF2B5EF4-FFF2-40B4-BE49-F238E27FC236}">
+                <a16:creationId xmlns:a16="http://schemas.microsoft.com/office/drawing/2014/main" id="{A65C94D3-54EB-4CF0-BBE8-A5768E78A096}"/>
+              </a:ext>
+            </a:extLst>
+          </p:cNvPr>
+          <p:cNvPicPr>
+            <a:picLocks noGrp="1" noChangeAspect="1"/>
+          </p:cNvPicPr>
+          <p:nvPr>
+            <p:ph idx="1"/>
+          </p:nvPr>
+        </p:nvPicPr>
+        <p:blipFill>
+          <a:blip r:embed="rId2"/>
+          <a:stretch>
+            <a:fillRect/>
+          </a:stretch>
+        </p:blipFill>
+        <p:spPr>
+          <a:xfrm>
+            <a:off x="1111553" y="2386163"/>
+            <a:ext cx="9968894" cy="3917643"/>
+          </a:xfrm>
+        </p:spPr>
+      </p:pic>
+    </p:spTree>
+    <p:extLst>
+      <p:ext uri="{BB962C8B-B14F-4D97-AF65-F5344CB8AC3E}">
+        <p14:creationId xmlns:p14="http://schemas.microsoft.com/office/powerpoint/2010/main" val="3634429808"/>
+      </p:ext>
+    </p:extLst>
+  </p:cSld>
+  <p:clrMapOvr>
+    <a:masterClrMapping/>
+  </p:clrMapOvr>
+</p:sld>
+</file>
+
+<file path=ppt/slides/slide18.xml><?xml version="1.0" encoding="utf-8"?>
 <p:sld xmlns:a="http://schemas.openxmlformats.org/drawingml/2006/main" xmlns:r="http://schemas.openxmlformats.org/officeDocument/2006/relationships" xmlns:p="http://schemas.openxmlformats.org/presentationml/2006/main">
   <p:cSld>
     <p:spTree>
@@ -6637,10 +6852,78 @@
           <a:bodyPr/>
           <a:lstStyle/>
           <a:p>
-            <a:endParaRPr lang="nl-BE"/>
-          </a:p>
-        </p:txBody>
-      </p:sp>
+            <a:r>
+              <a:rPr lang="nl-BE" dirty="0"/>
+              <a:t>Aanpassing IR detectie</a:t>
+            </a:r>
+          </a:p>
+          <a:p>
+            <a:r>
+              <a:rPr lang="nl-BE" dirty="0" err="1"/>
+              <a:t>Raspberry</a:t>
+            </a:r>
+            <a:r>
+              <a:rPr lang="nl-BE" dirty="0"/>
+              <a:t> camera</a:t>
+            </a:r>
+          </a:p>
+          <a:p>
+            <a:r>
+              <a:rPr lang="nl-BE" dirty="0"/>
+              <a:t>Camera POST</a:t>
+            </a:r>
+          </a:p>
+          <a:p>
+            <a:r>
+              <a:rPr lang="nl-BE" dirty="0"/>
+              <a:t>/</a:t>
+            </a:r>
+            <a:r>
+              <a:rPr lang="nl-BE" dirty="0" err="1"/>
+              <a:t>photo</a:t>
+            </a:r>
+            <a:r>
+              <a:rPr lang="nl-BE" dirty="0"/>
+              <a:t> </a:t>
+            </a:r>
+            <a:r>
+              <a:rPr lang="nl-BE" dirty="0" err="1"/>
+              <a:t>endpoint</a:t>
+            </a:r>
+            <a:endParaRPr lang="nl-BE" dirty="0"/>
+          </a:p>
+        </p:txBody>
+      </p:sp>
+      <p:pic>
+        <p:nvPicPr>
+          <p:cNvPr id="5" name="Afbeelding 4">
+            <a:extLst>
+              <a:ext uri="{FF2B5EF4-FFF2-40B4-BE49-F238E27FC236}">
+                <a16:creationId xmlns:a16="http://schemas.microsoft.com/office/drawing/2014/main" id="{BF72A8DF-36A4-43E4-853B-450CA69D432B}"/>
+              </a:ext>
+            </a:extLst>
+          </p:cNvPr>
+          <p:cNvPicPr>
+            <a:picLocks noChangeAspect="1"/>
+          </p:cNvPicPr>
+          <p:nvPr/>
+        </p:nvPicPr>
+        <p:blipFill>
+          <a:blip r:embed="rId2"/>
+          <a:stretch>
+            <a:fillRect/>
+          </a:stretch>
+        </p:blipFill>
+        <p:spPr>
+          <a:xfrm>
+            <a:off x="4649821" y="2222287"/>
+            <a:ext cx="7182256" cy="4283236"/>
+          </a:xfrm>
+          <a:prstGeom prst="rect">
+            <a:avLst/>
+          </a:prstGeom>
+        </p:spPr>
+      </p:pic>
     </p:spTree>
     <p:extLst>
       <p:ext uri="{BB962C8B-B14F-4D97-AF65-F5344CB8AC3E}">
@@ -6947,7 +7230,15 @@
           <a:bodyPr/>
           <a:lstStyle/>
           <a:p>
-            <a:endParaRPr lang="nl-BE"/>
+            <a:r>
+              <a:rPr lang="nl-BE" dirty="0"/>
+              <a:t>Ruwe schets </a:t>
+            </a:r>
+            <a:r>
+              <a:rPr lang="nl-BE" dirty="0" err="1"/>
+              <a:t>solarenergy</a:t>
+            </a:r>
+            <a:endParaRPr lang="nl-BE" dirty="0"/>
           </a:p>
         </p:txBody>
       </p:sp>
@@ -6976,6 +7267,36 @@
           </a:p>
         </p:txBody>
       </p:sp>
+      <p:pic>
+        <p:nvPicPr>
+          <p:cNvPr id="4" name="Afbeelding 3">
+            <a:extLst>
+              <a:ext uri="{FF2B5EF4-FFF2-40B4-BE49-F238E27FC236}">
+                <a16:creationId xmlns:a16="http://schemas.microsoft.com/office/drawing/2014/main" id="{530CCD7B-4A5E-495D-85F4-0851B84839F5}"/>
+              </a:ext>
+            </a:extLst>
+          </p:cNvPr>
+          <p:cNvPicPr>
+            <a:picLocks noChangeAspect="1"/>
+          </p:cNvPicPr>
+          <p:nvPr/>
+        </p:nvPicPr>
+        <p:blipFill>
+          <a:blip r:embed="rId2"/>
+          <a:stretch>
+            <a:fillRect/>
+          </a:stretch>
+        </p:blipFill>
+        <p:spPr>
+          <a:xfrm>
+            <a:off x="42861" y="2222287"/>
+            <a:ext cx="12106275" cy="4676775"/>
+          </a:xfrm>
+          <a:prstGeom prst="rect">
+            <a:avLst/>
+          </a:prstGeom>
+        </p:spPr>
+      </p:pic>
     </p:spTree>
     <p:extLst>
       <p:ext uri="{BB962C8B-B14F-4D97-AF65-F5344CB8AC3E}">
@@ -7055,7 +7376,79 @@
           <a:bodyPr/>
           <a:lstStyle/>
           <a:p>
-            <a:endParaRPr lang="nl-BE"/>
+            <a:r>
+              <a:rPr lang="nl-BE" dirty="0" err="1"/>
+              <a:t>Raspberry</a:t>
+            </a:r>
+            <a:r>
+              <a:rPr lang="nl-BE" dirty="0"/>
+              <a:t> pi (</a:t>
+            </a:r>
+            <a:r>
+              <a:rPr lang="nl-BE" dirty="0" err="1"/>
+              <a:t>raspbian</a:t>
+            </a:r>
+            <a:r>
+              <a:rPr lang="nl-BE" dirty="0"/>
+              <a:t>)</a:t>
+            </a:r>
+          </a:p>
+          <a:p>
+            <a:r>
+              <a:rPr lang="nl-BE" dirty="0"/>
+              <a:t>MYSQL</a:t>
+            </a:r>
+          </a:p>
+          <a:p>
+            <a:r>
+              <a:rPr lang="nl-BE" dirty="0" err="1"/>
+              <a:t>Phpmyadmin</a:t>
+            </a:r>
+            <a:endParaRPr lang="nl-BE" dirty="0"/>
+          </a:p>
+          <a:p>
+            <a:r>
+              <a:rPr lang="nl-BE" dirty="0" err="1"/>
+              <a:t>Debian</a:t>
+            </a:r>
+            <a:endParaRPr lang="nl-BE" dirty="0"/>
+          </a:p>
+          <a:p>
+            <a:r>
+              <a:rPr lang="nl-BE" dirty="0" err="1"/>
+              <a:t>Flask</a:t>
+            </a:r>
+            <a:endParaRPr lang="nl-BE" dirty="0"/>
+          </a:p>
+          <a:p>
+            <a:r>
+              <a:rPr lang="nl-BE" dirty="0" err="1"/>
+              <a:t>pymysql</a:t>
+            </a:r>
+            <a:r>
+              <a:rPr lang="nl-BE" dirty="0"/>
+              <a:t> </a:t>
+            </a:r>
+            <a:r>
+              <a:rPr lang="nl-BE" dirty="0">
+                <a:sym typeface="Wingdings" panose="05000000000000000000" pitchFamily="2" charset="2"/>
+              </a:rPr>
+              <a:t> </a:t>
+            </a:r>
+            <a:r>
+              <a:rPr lang="nl-BE" dirty="0" err="1">
+                <a:sym typeface="Wingdings" panose="05000000000000000000" pitchFamily="2" charset="2"/>
+              </a:rPr>
+              <a:t>s</a:t>
+            </a:r>
+            <a:r>
+              <a:rPr lang="nl-BE" dirty="0" err="1"/>
+              <a:t>qlalchemy</a:t>
+            </a:r>
+            <a:endParaRPr lang="nl-BE" dirty="0"/>
+          </a:p>
+          <a:p>
+            <a:endParaRPr lang="nl-BE" dirty="0"/>
           </a:p>
         </p:txBody>
       </p:sp>
@@ -7138,7 +7531,37 @@
           <a:bodyPr/>
           <a:lstStyle/>
           <a:p>
-            <a:endParaRPr lang="nl-BE"/>
+            <a:r>
+              <a:rPr lang="nl-BE" dirty="0"/>
+              <a:t>Web Interface -&gt; </a:t>
+            </a:r>
+            <a:r>
+              <a:rPr lang="nl-BE" dirty="0" err="1"/>
+              <a:t>React</a:t>
+            </a:r>
+            <a:endParaRPr lang="nl-BE" dirty="0"/>
+          </a:p>
+          <a:p>
+            <a:r>
+              <a:rPr lang="nl-BE" dirty="0"/>
+              <a:t>Android </a:t>
+            </a:r>
+            <a:r>
+              <a:rPr lang="nl-BE" dirty="0" err="1"/>
+              <a:t>application</a:t>
+            </a:r>
+            <a:r>
+              <a:rPr lang="nl-BE" dirty="0"/>
+              <a:t> -&gt; </a:t>
+            </a:r>
+            <a:r>
+              <a:rPr lang="nl-BE" dirty="0" err="1"/>
+              <a:t>Kotlin</a:t>
+            </a:r>
+            <a:endParaRPr lang="nl-BE" dirty="0"/>
+          </a:p>
+          <a:p>
+            <a:endParaRPr lang="nl-BE" dirty="0"/>
           </a:p>
         </p:txBody>
       </p:sp>
